--- a/WiXSamples/Slides/WiX - Installer Framework.pptx
+++ b/WiXSamples/Slides/WiX - Installer Framework.pptx
@@ -5,10 +5,10 @@
     <p:sldMasterId id="2147483648" r:id="rId4"/>
   </p:sldMasterIdLst>
   <p:notesMasterIdLst>
-    <p:notesMasterId r:id="rId97"/>
+    <p:notesMasterId r:id="rId98"/>
   </p:notesMasterIdLst>
   <p:handoutMasterIdLst>
-    <p:handoutMasterId r:id="rId98"/>
+    <p:handoutMasterId r:id="rId99"/>
   </p:handoutMasterIdLst>
   <p:sldIdLst>
     <p:sldId id="377" r:id="rId5"/>
@@ -100,9 +100,10 @@
     <p:sldId id="465" r:id="rId91"/>
     <p:sldId id="466" r:id="rId92"/>
     <p:sldId id="467" r:id="rId93"/>
-    <p:sldId id="362" r:id="rId94"/>
-    <p:sldId id="390" r:id="rId95"/>
-    <p:sldId id="391" r:id="rId96"/>
+    <p:sldId id="488" r:id="rId94"/>
+    <p:sldId id="362" r:id="rId95"/>
+    <p:sldId id="390" r:id="rId96"/>
+    <p:sldId id="391" r:id="rId97"/>
   </p:sldIdLst>
   <p:sldSz cx="9144000" cy="5143500" type="screen16x9"/>
   <p:notesSz cx="6858000" cy="9144000"/>
@@ -331,6 +332,7 @@
             <p14:sldId id="465"/>
             <p14:sldId id="466"/>
             <p14:sldId id="467"/>
+            <p14:sldId id="488"/>
           </p14:sldIdLst>
         </p14:section>
         <p14:section name="Closing" id="{C26182EC-0F61-41FA-8BA3-14A8660E934C}">
@@ -468,7 +470,7 @@
           <a:p>
             <a:fld id="{D3FDC4BA-F62C-46A2-87C1-2103180CFF88}" type="datetimeFigureOut">
               <a:rPr lang="de-AT" smtClean="0"/>
-              <a:t>07.10.2014</a:t>
+              <a:t>08.10.2014</a:t>
             </a:fld>
             <a:endParaRPr lang="de-AT"/>
           </a:p>
@@ -634,7 +636,7 @@
             <a:fld id="{3612A09C-9A01-4873-9E29-1DA9CA5B5B01}" type="datetimeFigureOut">
               <a:rPr lang="de-DE" smtClean="0"/>
               <a:pPr/>
-              <a:t>07.10.2014</a:t>
+              <a:t>08.10.2014</a:t>
             </a:fld>
             <a:endParaRPr lang="de-AT"/>
           </a:p>
@@ -17313,11 +17315,7 @@
             </a:r>
             <a:r>
               <a:rPr lang="en-US" dirty="0" smtClean="0"/>
-              <a:t>, etc</a:t>
-            </a:r>
-            <a:r>
-              <a:rPr lang="en-US" dirty="0" smtClean="0"/>
-              <a:t>.</a:t>
+              <a:t>, etc.</a:t>
             </a:r>
           </a:p>
           <a:p>
@@ -17615,11 +17613,6 @@
               </a:rPr>
               <a:t>?</a:t>
             </a:r>
-            <a:endParaRPr lang="en-US" sz="1400" dirty="0" smtClean="0">
-              <a:solidFill>
-                <a:srgbClr val="00B050"/>
-              </a:solidFill>
-            </a:endParaRPr>
           </a:p>
           <a:p>
             <a:pPr lvl="1"/>
@@ -26558,8 +26551,9 @@
             </a:r>
             <a:r>
               <a:rPr lang="de-AT" dirty="0" smtClean="0"/>
-              <a:t>190„</a:t>
-            </a:r>
+              <a:t>190"</a:t>
+            </a:r>
+            <a:endParaRPr lang="de-AT" dirty="0" smtClean="0"/>
           </a:p>
           <a:p>
             <a:r>
@@ -39827,6 +39821,171 @@
       </p:grpSpPr>
       <p:sp>
         <p:nvSpPr>
+          <p:cNvPr id="2" name="Titel 1"/>
+          <p:cNvSpPr>
+            <a:spLocks noGrp="1"/>
+          </p:cNvSpPr>
+          <p:nvPr>
+            <p:ph type="title"/>
+          </p:nvPr>
+        </p:nvSpPr>
+        <p:spPr/>
+        <p:txBody>
+          <a:bodyPr/>
+          <a:lstStyle/>
+          <a:p>
+            <a:r>
+              <a:rPr lang="en-US" dirty="0" smtClean="0"/>
+              <a:t>Minor and Small Upgrades</a:t>
+            </a:r>
+            <a:endParaRPr lang="en-US" dirty="0"/>
+          </a:p>
+        </p:txBody>
+      </p:sp>
+      <p:sp>
+        <p:nvSpPr>
+          <p:cNvPr id="3" name="Inhaltsplatzhalter 2"/>
+          <p:cNvSpPr>
+            <a:spLocks noGrp="1"/>
+          </p:cNvSpPr>
+          <p:nvPr>
+            <p:ph sz="quarter" idx="12"/>
+          </p:nvPr>
+        </p:nvSpPr>
+        <p:spPr/>
+        <p:txBody>
+          <a:bodyPr/>
+          <a:lstStyle/>
+          <a:p>
+            <a:r>
+              <a:rPr lang="en-US" dirty="0" smtClean="0"/>
+              <a:t>Can be done like a major upgrade using full MSI</a:t>
+            </a:r>
+          </a:p>
+          <a:p>
+            <a:r>
+              <a:rPr lang="en-US" dirty="0" smtClean="0"/>
+              <a:t>More efficient method: Patch files (MSP)</a:t>
+            </a:r>
+          </a:p>
+          <a:p>
+            <a:pPr lvl="1"/>
+            <a:r>
+              <a:rPr lang="en-US" dirty="0" smtClean="0"/>
+              <a:t>No uninstall of old version</a:t>
+            </a:r>
+          </a:p>
+          <a:p>
+            <a:pPr lvl="1"/>
+            <a:r>
+              <a:rPr lang="en-US" dirty="0" smtClean="0"/>
+              <a:t>Contains only changes </a:t>
+            </a:r>
+            <a:r>
+              <a:rPr lang="en-US" dirty="0" smtClean="0">
+                <a:sym typeface="Wingdings" panose="05000000000000000000" pitchFamily="2" charset="2"/>
+              </a:rPr>
+              <a:t> smaller</a:t>
+            </a:r>
+          </a:p>
+          <a:p>
+            <a:r>
+              <a:rPr lang="en-US" dirty="0" smtClean="0"/>
+              <a:t>Small Upgrades</a:t>
+            </a:r>
+          </a:p>
+          <a:p>
+            <a:pPr lvl="1"/>
+            <a:r>
+              <a:rPr lang="en-US" dirty="0" smtClean="0"/>
+              <a:t>Like minor upgrades, smaller </a:t>
+            </a:r>
+            <a:r>
+              <a:rPr lang="en-US" smtClean="0"/>
+              <a:t>in scope</a:t>
+            </a:r>
+            <a:endParaRPr lang="en-US" dirty="0" smtClean="0"/>
+          </a:p>
+          <a:p>
+            <a:pPr lvl="1"/>
+            <a:r>
+              <a:rPr lang="en-US" dirty="0" smtClean="0"/>
+              <a:t>No changes in </a:t>
+            </a:r>
+            <a:r>
+              <a:rPr lang="en-US" i="1" dirty="0" err="1" smtClean="0"/>
+              <a:t>ProductCode</a:t>
+            </a:r>
+            <a:r>
+              <a:rPr lang="en-US" i="1" dirty="0" smtClean="0"/>
+              <a:t> </a:t>
+            </a:r>
+            <a:r>
+              <a:rPr lang="en-US" dirty="0" smtClean="0"/>
+              <a:t>and </a:t>
+            </a:r>
+            <a:r>
+              <a:rPr lang="en-US" i="1" dirty="0" smtClean="0"/>
+              <a:t>Version</a:t>
+            </a:r>
+            <a:endParaRPr lang="en-US" i="1" dirty="0"/>
+          </a:p>
+        </p:txBody>
+      </p:sp>
+      <p:sp>
+        <p:nvSpPr>
+          <p:cNvPr id="4" name="Textplatzhalter 3"/>
+          <p:cNvSpPr>
+            <a:spLocks noGrp="1"/>
+          </p:cNvSpPr>
+          <p:nvPr>
+            <p:ph type="body" sz="quarter" idx="23"/>
+          </p:nvPr>
+        </p:nvSpPr>
+        <p:spPr/>
+        <p:txBody>
+          <a:bodyPr/>
+          <a:lstStyle/>
+          <a:p>
+            <a:endParaRPr lang="en-US"/>
+          </a:p>
+        </p:txBody>
+      </p:sp>
+    </p:spTree>
+    <p:extLst>
+      <p:ext uri="{BB962C8B-B14F-4D97-AF65-F5344CB8AC3E}">
+        <p14:creationId xmlns:p14="http://schemas.microsoft.com/office/powerpoint/2010/main" val="3869631429"/>
+      </p:ext>
+    </p:extLst>
+  </p:cSld>
+  <p:clrMapOvr>
+    <a:masterClrMapping/>
+  </p:clrMapOvr>
+  <p:transition spd="slow">
+    <p:push/>
+  </p:transition>
+</p:sld>
+</file>
+
+<file path=ppt/slides/slide91.xml><?xml version="1.0" encoding="utf-8"?>
+<p:sld xmlns:a="http://schemas.openxmlformats.org/drawingml/2006/main" xmlns:r="http://schemas.openxmlformats.org/officeDocument/2006/relationships" xmlns:p="http://schemas.openxmlformats.org/presentationml/2006/main">
+  <p:cSld>
+    <p:spTree>
+      <p:nvGrpSpPr>
+        <p:cNvPr id="1" name=""/>
+        <p:cNvGrpSpPr/>
+        <p:nvPr/>
+      </p:nvGrpSpPr>
+      <p:grpSpPr>
+        <a:xfrm>
+          <a:off x="0" y="0"/>
+          <a:ext cx="0" cy="0"/>
+          <a:chOff x="0" y="0"/>
+          <a:chExt cx="0" cy="0"/>
+        </a:xfrm>
+      </p:grpSpPr>
+      <p:sp>
+        <p:nvSpPr>
           <p:cNvPr id="9" name="Text Placeholder 8"/>
           <p:cNvSpPr>
             <a:spLocks noGrp="1"/>
@@ -40088,7 +40247,7 @@
 </p:sld>
 </file>
 
-<file path=ppt/slides/slide91.xml><?xml version="1.0" encoding="utf-8"?>
+<file path=ppt/slides/slide92.xml><?xml version="1.0" encoding="utf-8"?>
 <p:sld xmlns:a="http://schemas.openxmlformats.org/drawingml/2006/main" xmlns:r="http://schemas.openxmlformats.org/officeDocument/2006/relationships" xmlns:p="http://schemas.openxmlformats.org/presentationml/2006/main" show="0">
   <p:cSld>
     <p:spTree>
@@ -40128,7 +40287,7 @@
 </p:sld>
 </file>
 
-<file path=ppt/slides/slide92.xml><?xml version="1.0" encoding="utf-8"?>
+<file path=ppt/slides/slide93.xml><?xml version="1.0" encoding="utf-8"?>
 <p:sld xmlns:a="http://schemas.openxmlformats.org/drawingml/2006/main" xmlns:r="http://schemas.openxmlformats.org/officeDocument/2006/relationships" xmlns:p="http://schemas.openxmlformats.org/presentationml/2006/main" show="0">
   <p:cSld>
     <p:spTree>
@@ -41054,13 +41213,13 @@
 <file path=customXml/itemProps3.xml><?xml version="1.0" encoding="utf-8"?>
 <ds:datastoreItem xmlns:ds="http://schemas.openxmlformats.org/officeDocument/2006/customXml" ds:itemID="{03D43D4A-F5F8-47F6-A4EC-521F433C91BF}">
   <ds:schemaRefs>
+    <ds:schemaRef ds:uri="http://schemas.microsoft.com/office/2006/documentManagement/types"/>
+    <ds:schemaRef ds:uri="http://schemas.microsoft.com/office/2006/metadata/properties"/>
+    <ds:schemaRef ds:uri="http://purl.org/dc/elements/1.1/"/>
     <ds:schemaRef ds:uri="http://purl.org/dc/dcmitype/"/>
     <ds:schemaRef ds:uri="http://schemas.openxmlformats.org/package/2006/metadata/core-properties"/>
-    <ds:schemaRef ds:uri="http://schemas.microsoft.com/office/2006/metadata/properties"/>
     <ds:schemaRef ds:uri="http://www.w3.org/XML/1998/namespace"/>
-    <ds:schemaRef ds:uri="http://schemas.microsoft.com/office/2006/documentManagement/types"/>
     <ds:schemaRef ds:uri="http://purl.org/dc/terms/"/>
-    <ds:schemaRef ds:uri="http://purl.org/dc/elements/1.1/"/>
   </ds:schemaRefs>
 </ds:datastoreItem>
 </file>
--- a/WiXSamples/Slides/WiX - Installer Framework.pptx
+++ b/WiXSamples/Slides/WiX - Installer Framework.pptx
@@ -5,10 +5,10 @@
     <p:sldMasterId id="2147483648" r:id="rId4"/>
   </p:sldMasterIdLst>
   <p:notesMasterIdLst>
-    <p:notesMasterId r:id="rId98"/>
+    <p:notesMasterId r:id="rId103"/>
   </p:notesMasterIdLst>
   <p:handoutMasterIdLst>
-    <p:handoutMasterId r:id="rId99"/>
+    <p:handoutMasterId r:id="rId104"/>
   </p:handoutMasterIdLst>
   <p:sldIdLst>
     <p:sldId id="377" r:id="rId5"/>
@@ -101,9 +101,14 @@
     <p:sldId id="466" r:id="rId92"/>
     <p:sldId id="467" r:id="rId93"/>
     <p:sldId id="488" r:id="rId94"/>
-    <p:sldId id="362" r:id="rId95"/>
-    <p:sldId id="390" r:id="rId96"/>
-    <p:sldId id="391" r:id="rId97"/>
+    <p:sldId id="489" r:id="rId95"/>
+    <p:sldId id="490" r:id="rId96"/>
+    <p:sldId id="491" r:id="rId97"/>
+    <p:sldId id="492" r:id="rId98"/>
+    <p:sldId id="493" r:id="rId99"/>
+    <p:sldId id="362" r:id="rId100"/>
+    <p:sldId id="390" r:id="rId101"/>
+    <p:sldId id="391" r:id="rId102"/>
   </p:sldIdLst>
   <p:sldSz cx="9144000" cy="5143500" type="screen16x9"/>
   <p:notesSz cx="6858000" cy="9144000"/>
@@ -333,6 +338,15 @@
             <p14:sldId id="466"/>
             <p14:sldId id="467"/>
             <p14:sldId id="488"/>
+            <p14:sldId id="489"/>
+            <p14:sldId id="490"/>
+            <p14:sldId id="491"/>
+          </p14:sldIdLst>
+        </p14:section>
+        <p14:section name="Burn" id="{E31E84A8-BD33-4FCD-81E9-912FDA0DEC89}">
+          <p14:sldIdLst>
+            <p14:sldId id="492"/>
+            <p14:sldId id="493"/>
           </p14:sldIdLst>
         </p14:section>
         <p14:section name="Closing" id="{C26182EC-0F61-41FA-8BA3-14A8660E934C}">
@@ -39368,8 +39382,26 @@
             <a:pPr lvl="1"/>
             <a:r>
               <a:rPr lang="en-US" dirty="0" smtClean="0"/>
-              <a:t>Small updates</a:t>
-            </a:r>
+              <a:t>Small </a:t>
+            </a:r>
+            <a:r>
+              <a:rPr lang="en-US" dirty="0" smtClean="0"/>
+              <a:t>updates</a:t>
+            </a:r>
+          </a:p>
+          <a:p>
+            <a:pPr lvl="1"/>
+            <a:r>
+              <a:rPr lang="en-US" dirty="0" smtClean="0"/>
+              <a:t>For details see also </a:t>
+            </a:r>
+            <a:r>
+              <a:rPr lang="en-US" dirty="0" smtClean="0">
+                <a:hlinkClick r:id="rId2"/>
+              </a:rPr>
+              <a:t>MSDN</a:t>
+            </a:r>
+            <a:endParaRPr lang="en-US" dirty="0" smtClean="0"/>
           </a:p>
           <a:p>
             <a:r>
@@ -39898,13 +39930,8 @@
             <a:pPr lvl="1"/>
             <a:r>
               <a:rPr lang="en-US" dirty="0" smtClean="0"/>
-              <a:t>Like minor upgrades, smaller </a:t>
-            </a:r>
-            <a:r>
-              <a:rPr lang="en-US" smtClean="0"/>
-              <a:t>in scope</a:t>
-            </a:r>
-            <a:endParaRPr lang="en-US" dirty="0" smtClean="0"/>
+              <a:t>Like minor upgrades, smaller in scope</a:t>
+            </a:r>
           </a:p>
           <a:p>
             <a:pPr lvl="1"/>
@@ -39928,7 +39955,24 @@
               <a:rPr lang="en-US" i="1" dirty="0" smtClean="0"/>
               <a:t>Version</a:t>
             </a:r>
-            <a:endParaRPr lang="en-US" i="1" dirty="0"/>
+          </a:p>
+          <a:p>
+            <a:pPr lvl="1"/>
+            <a:r>
+              <a:rPr lang="en-US" dirty="0"/>
+              <a:t>For </a:t>
+            </a:r>
+            <a:r>
+              <a:rPr lang="en-US" dirty="0" smtClean="0"/>
+              <a:t>details see </a:t>
+            </a:r>
+            <a:r>
+              <a:rPr lang="en-US" dirty="0" smtClean="0">
+                <a:hlinkClick r:id="rId2"/>
+              </a:rPr>
+              <a:t>MSDN</a:t>
+            </a:r>
+            <a:endParaRPr lang="en-US" dirty="0"/>
           </a:p>
         </p:txBody>
       </p:sp>
@@ -39986,6 +40030,2331 @@
       </p:grpSpPr>
       <p:sp>
         <p:nvSpPr>
+          <p:cNvPr id="5" name="Titel 4"/>
+          <p:cNvSpPr>
+            <a:spLocks noGrp="1"/>
+          </p:cNvSpPr>
+          <p:nvPr>
+            <p:ph type="title"/>
+          </p:nvPr>
+        </p:nvSpPr>
+        <p:spPr/>
+        <p:txBody>
+          <a:bodyPr/>
+          <a:lstStyle/>
+          <a:p>
+            <a:r>
+              <a:rPr lang="en-US" dirty="0" smtClean="0"/>
+              <a:t>Patch Creation</a:t>
+            </a:r>
+            <a:endParaRPr lang="en-US" dirty="0"/>
+          </a:p>
+        </p:txBody>
+      </p:sp>
+      <p:sp>
+        <p:nvSpPr>
+          <p:cNvPr id="6" name="Textplatzhalter 5"/>
+          <p:cNvSpPr>
+            <a:spLocks noGrp="1"/>
+          </p:cNvSpPr>
+          <p:nvPr>
+            <p:ph type="body" sz="quarter" idx="23"/>
+          </p:nvPr>
+        </p:nvSpPr>
+        <p:spPr/>
+        <p:txBody>
+          <a:bodyPr/>
+          <a:lstStyle/>
+          <a:p>
+            <a:endParaRPr lang="en-US"/>
+          </a:p>
+        </p:txBody>
+      </p:sp>
+      <p:sp>
+        <p:nvSpPr>
+          <p:cNvPr id="7" name="Textplatzhalter 6"/>
+          <p:cNvSpPr>
+            <a:spLocks noGrp="1"/>
+          </p:cNvSpPr>
+          <p:nvPr>
+            <p:ph type="body" sz="quarter" idx="24"/>
+          </p:nvPr>
+        </p:nvSpPr>
+        <p:spPr/>
+        <p:txBody>
+          <a:bodyPr/>
+          <a:lstStyle/>
+          <a:p>
+            <a:r>
+              <a:rPr lang="en-US" dirty="0" smtClean="0"/>
+              <a:t>Compare old/new </a:t>
+            </a:r>
+            <a:r>
+              <a:rPr lang="en-US" i="1" dirty="0" smtClean="0"/>
+              <a:t>.</a:t>
+            </a:r>
+            <a:r>
+              <a:rPr lang="en-US" i="1" dirty="0" err="1" smtClean="0"/>
+              <a:t>wixpdb</a:t>
+            </a:r>
+            <a:r>
+              <a:rPr lang="en-US" dirty="0" smtClean="0"/>
+              <a:t> using torch</a:t>
+            </a:r>
+          </a:p>
+          <a:p>
+            <a:pPr lvl="1"/>
+            <a:r>
+              <a:rPr lang="en-US" dirty="0" smtClean="0"/>
+              <a:t>Result: </a:t>
+            </a:r>
+            <a:r>
+              <a:rPr lang="en-US" i="1" dirty="0" smtClean="0"/>
+              <a:t>.</a:t>
+            </a:r>
+            <a:r>
+              <a:rPr lang="en-US" i="1" dirty="0" err="1" smtClean="0"/>
+              <a:t>wixmst</a:t>
+            </a:r>
+            <a:r>
+              <a:rPr lang="en-US" i="1" dirty="0" smtClean="0"/>
+              <a:t> </a:t>
+            </a:r>
+            <a:r>
+              <a:rPr lang="en-US" dirty="0" smtClean="0"/>
+              <a:t>transform file</a:t>
+            </a:r>
+          </a:p>
+          <a:p>
+            <a:r>
+              <a:rPr lang="en-US" dirty="0" smtClean="0"/>
+              <a:t>Combine transform file with </a:t>
+            </a:r>
+            <a:r>
+              <a:rPr lang="en-US" i="1" dirty="0" smtClean="0"/>
+              <a:t>.</a:t>
+            </a:r>
+            <a:r>
+              <a:rPr lang="en-US" i="1" dirty="0" err="1" smtClean="0"/>
+              <a:t>wixmsp</a:t>
+            </a:r>
+            <a:r>
+              <a:rPr lang="en-US" dirty="0" smtClean="0"/>
+              <a:t> patch file using pyro</a:t>
+            </a:r>
+          </a:p>
+          <a:p>
+            <a:pPr lvl="1"/>
+            <a:r>
+              <a:rPr lang="en-US" dirty="0" smtClean="0"/>
+              <a:t>Result: </a:t>
+            </a:r>
+            <a:r>
+              <a:rPr lang="en-US" i="1" dirty="0" smtClean="0"/>
+              <a:t>.</a:t>
+            </a:r>
+            <a:r>
+              <a:rPr lang="en-US" i="1" dirty="0" err="1" smtClean="0"/>
+              <a:t>msp</a:t>
+            </a:r>
+            <a:r>
+              <a:rPr lang="en-US" i="1" dirty="0" smtClean="0"/>
+              <a:t> </a:t>
+            </a:r>
+            <a:r>
+              <a:rPr lang="en-US" dirty="0" smtClean="0"/>
+              <a:t>patch file</a:t>
+            </a:r>
+          </a:p>
+        </p:txBody>
+      </p:sp>
+      <p:sp>
+        <p:nvSpPr>
+          <p:cNvPr id="8" name="Textplatzhalter 7"/>
+          <p:cNvSpPr>
+            <a:spLocks noGrp="1"/>
+          </p:cNvSpPr>
+          <p:nvPr>
+            <p:ph type="body" sz="quarter" idx="25"/>
+          </p:nvPr>
+        </p:nvSpPr>
+        <p:spPr/>
+        <p:txBody>
+          <a:bodyPr/>
+          <a:lstStyle/>
+          <a:p>
+            <a:endParaRPr lang="en-US"/>
+          </a:p>
+        </p:txBody>
+      </p:sp>
+      <p:sp>
+        <p:nvSpPr>
+          <p:cNvPr id="9" name="Textfeld 8"/>
+          <p:cNvSpPr txBox="1"/>
+          <p:nvPr/>
+        </p:nvSpPr>
+        <p:spPr>
+          <a:xfrm>
+            <a:off x="323528" y="1813039"/>
+            <a:ext cx="1104598" cy="369332"/>
+          </a:xfrm>
+          <a:prstGeom prst="rect">
+            <a:avLst/>
+          </a:prstGeom>
+          <a:noFill/>
+        </p:spPr>
+        <p:txBody>
+          <a:bodyPr wrap="none" rtlCol="0">
+            <a:spAutoFit/>
+          </a:bodyPr>
+          <a:lstStyle/>
+          <a:p>
+            <a:pPr algn="ctr"/>
+            <a:r>
+              <a:rPr lang="en-US" dirty="0" smtClean="0">
+                <a:hlinkClick r:id="rId2"/>
+              </a:rPr>
+              <a:t>torch.exe</a:t>
+            </a:r>
+            <a:endParaRPr lang="en-US" dirty="0"/>
+          </a:p>
+        </p:txBody>
+      </p:sp>
+      <p:sp>
+        <p:nvSpPr>
+          <p:cNvPr id="10" name="Textfeld 9"/>
+          <p:cNvSpPr txBox="1"/>
+          <p:nvPr/>
+        </p:nvSpPr>
+        <p:spPr>
+          <a:xfrm>
+            <a:off x="3221589" y="2729667"/>
+            <a:ext cx="1547988" cy="369332"/>
+          </a:xfrm>
+          <a:prstGeom prst="rect">
+            <a:avLst/>
+          </a:prstGeom>
+          <a:noFill/>
+        </p:spPr>
+        <p:txBody>
+          <a:bodyPr wrap="none" rtlCol="0">
+            <a:spAutoFit/>
+          </a:bodyPr>
+          <a:lstStyle/>
+          <a:p>
+            <a:r>
+              <a:rPr lang="en-US" dirty="0" err="1" smtClean="0"/>
+              <a:t>Patch.wixmsp</a:t>
+            </a:r>
+            <a:endParaRPr lang="en-US" dirty="0"/>
+          </a:p>
+        </p:txBody>
+      </p:sp>
+      <p:sp>
+        <p:nvSpPr>
+          <p:cNvPr id="11" name="Pfeil nach rechts 10"/>
+          <p:cNvSpPr/>
+          <p:nvPr/>
+        </p:nvSpPr>
+        <p:spPr>
+          <a:xfrm rot="5400000">
+            <a:off x="454220" y="1415593"/>
+            <a:ext cx="622708" cy="283574"/>
+          </a:xfrm>
+          <a:prstGeom prst="rightArrow">
+            <a:avLst/>
+          </a:prstGeom>
+        </p:spPr>
+        <p:style>
+          <a:lnRef idx="2">
+            <a:schemeClr val="accent1">
+              <a:shade val="50000"/>
+            </a:schemeClr>
+          </a:lnRef>
+          <a:fillRef idx="1">
+            <a:schemeClr val="accent1"/>
+          </a:fillRef>
+          <a:effectRef idx="0">
+            <a:schemeClr val="accent1"/>
+          </a:effectRef>
+          <a:fontRef idx="minor">
+            <a:schemeClr val="lt1"/>
+          </a:fontRef>
+        </p:style>
+        <p:txBody>
+          <a:bodyPr rtlCol="0" anchor="ctr"/>
+          <a:lstStyle/>
+          <a:p>
+            <a:pPr algn="ctr"/>
+            <a:endParaRPr lang="en-US" dirty="0"/>
+          </a:p>
+        </p:txBody>
+      </p:sp>
+      <p:sp>
+        <p:nvSpPr>
+          <p:cNvPr id="19" name="Textfeld 18"/>
+          <p:cNvSpPr txBox="1"/>
+          <p:nvPr/>
+        </p:nvSpPr>
+        <p:spPr>
+          <a:xfrm>
+            <a:off x="251520" y="903115"/>
+            <a:ext cx="1830950" cy="369332"/>
+          </a:xfrm>
+          <a:prstGeom prst="rect">
+            <a:avLst/>
+          </a:prstGeom>
+          <a:noFill/>
+        </p:spPr>
+        <p:txBody>
+          <a:bodyPr wrap="none" rtlCol="0">
+            <a:spAutoFit/>
+          </a:bodyPr>
+          <a:lstStyle/>
+          <a:p>
+            <a:r>
+              <a:rPr lang="en-US" dirty="0" smtClean="0"/>
+              <a:t>Old.msi/.</a:t>
+            </a:r>
+            <a:r>
+              <a:rPr lang="en-US" dirty="0" err="1" smtClean="0"/>
+              <a:t>wixpdb</a:t>
+            </a:r>
+            <a:endParaRPr lang="en-US" dirty="0"/>
+          </a:p>
+        </p:txBody>
+      </p:sp>
+      <p:sp>
+        <p:nvSpPr>
+          <p:cNvPr id="23" name="Textfeld 22"/>
+          <p:cNvSpPr txBox="1"/>
+          <p:nvPr/>
+        </p:nvSpPr>
+        <p:spPr>
+          <a:xfrm>
+            <a:off x="170023" y="2729667"/>
+            <a:ext cx="1912447" cy="369332"/>
+          </a:xfrm>
+          <a:prstGeom prst="rect">
+            <a:avLst/>
+          </a:prstGeom>
+          <a:noFill/>
+        </p:spPr>
+        <p:txBody>
+          <a:bodyPr wrap="none" rtlCol="0">
+            <a:spAutoFit/>
+          </a:bodyPr>
+          <a:lstStyle/>
+          <a:p>
+            <a:r>
+              <a:rPr lang="en-US" dirty="0" smtClean="0"/>
+              <a:t>New.msi/.</a:t>
+            </a:r>
+            <a:r>
+              <a:rPr lang="en-US" dirty="0" err="1" smtClean="0"/>
+              <a:t>wixpdb</a:t>
+            </a:r>
+            <a:endParaRPr lang="en-US" dirty="0"/>
+          </a:p>
+        </p:txBody>
+      </p:sp>
+      <p:sp>
+        <p:nvSpPr>
+          <p:cNvPr id="24" name="Pfeil nach rechts 23"/>
+          <p:cNvSpPr/>
+          <p:nvPr/>
+        </p:nvSpPr>
+        <p:spPr>
+          <a:xfrm rot="16200000">
+            <a:off x="456709" y="2343662"/>
+            <a:ext cx="622708" cy="283574"/>
+          </a:xfrm>
+          <a:prstGeom prst="rightArrow">
+            <a:avLst/>
+          </a:prstGeom>
+        </p:spPr>
+        <p:style>
+          <a:lnRef idx="2">
+            <a:schemeClr val="accent1">
+              <a:shade val="50000"/>
+            </a:schemeClr>
+          </a:lnRef>
+          <a:fillRef idx="1">
+            <a:schemeClr val="accent1"/>
+          </a:fillRef>
+          <a:effectRef idx="0">
+            <a:schemeClr val="accent1"/>
+          </a:effectRef>
+          <a:fontRef idx="minor">
+            <a:schemeClr val="lt1"/>
+          </a:fontRef>
+        </p:style>
+        <p:txBody>
+          <a:bodyPr rtlCol="0" anchor="ctr"/>
+          <a:lstStyle/>
+          <a:p>
+            <a:pPr algn="ctr"/>
+            <a:endParaRPr lang="en-US" dirty="0"/>
+          </a:p>
+        </p:txBody>
+      </p:sp>
+      <p:sp>
+        <p:nvSpPr>
+          <p:cNvPr id="25" name="Pfeil nach rechts 24"/>
+          <p:cNvSpPr/>
+          <p:nvPr/>
+        </p:nvSpPr>
+        <p:spPr>
+          <a:xfrm>
+            <a:off x="1407034" y="1868734"/>
+            <a:ext cx="321351" cy="283574"/>
+          </a:xfrm>
+          <a:prstGeom prst="rightArrow">
+            <a:avLst/>
+          </a:prstGeom>
+        </p:spPr>
+        <p:style>
+          <a:lnRef idx="2">
+            <a:schemeClr val="accent1">
+              <a:shade val="50000"/>
+            </a:schemeClr>
+          </a:lnRef>
+          <a:fillRef idx="1">
+            <a:schemeClr val="accent1"/>
+          </a:fillRef>
+          <a:effectRef idx="0">
+            <a:schemeClr val="accent1"/>
+          </a:effectRef>
+          <a:fontRef idx="minor">
+            <a:schemeClr val="lt1"/>
+          </a:fontRef>
+        </p:style>
+        <p:txBody>
+          <a:bodyPr rtlCol="0" anchor="ctr"/>
+          <a:lstStyle/>
+          <a:p>
+            <a:pPr algn="ctr"/>
+            <a:endParaRPr lang="en-US" dirty="0"/>
+          </a:p>
+        </p:txBody>
+      </p:sp>
+      <p:sp>
+        <p:nvSpPr>
+          <p:cNvPr id="26" name="Textfeld 25"/>
+          <p:cNvSpPr txBox="1"/>
+          <p:nvPr/>
+        </p:nvSpPr>
+        <p:spPr>
+          <a:xfrm>
+            <a:off x="1691399" y="1836373"/>
+            <a:ext cx="1471878" cy="369332"/>
+          </a:xfrm>
+          <a:prstGeom prst="rect">
+            <a:avLst/>
+          </a:prstGeom>
+          <a:noFill/>
+        </p:spPr>
+        <p:txBody>
+          <a:bodyPr wrap="none" rtlCol="0">
+            <a:spAutoFit/>
+          </a:bodyPr>
+          <a:lstStyle/>
+          <a:p>
+            <a:r>
+              <a:rPr lang="en-US" dirty="0" err="1" smtClean="0"/>
+              <a:t>Delta.wixmst</a:t>
+            </a:r>
+            <a:endParaRPr lang="en-US" dirty="0"/>
+          </a:p>
+        </p:txBody>
+      </p:sp>
+      <p:sp>
+        <p:nvSpPr>
+          <p:cNvPr id="27" name="Textfeld 26"/>
+          <p:cNvSpPr txBox="1"/>
+          <p:nvPr/>
+        </p:nvSpPr>
+        <p:spPr>
+          <a:xfrm>
+            <a:off x="3469014" y="1811004"/>
+            <a:ext cx="1039067" cy="369332"/>
+          </a:xfrm>
+          <a:prstGeom prst="rect">
+            <a:avLst/>
+          </a:prstGeom>
+          <a:noFill/>
+        </p:spPr>
+        <p:txBody>
+          <a:bodyPr wrap="none" rtlCol="0">
+            <a:spAutoFit/>
+          </a:bodyPr>
+          <a:lstStyle/>
+          <a:p>
+            <a:pPr algn="ctr"/>
+            <a:r>
+              <a:rPr lang="en-US" dirty="0" smtClean="0">
+                <a:hlinkClick r:id="rId2"/>
+              </a:rPr>
+              <a:t>pyro.exe</a:t>
+            </a:r>
+            <a:endParaRPr lang="en-US" dirty="0"/>
+          </a:p>
+        </p:txBody>
+      </p:sp>
+      <p:sp>
+        <p:nvSpPr>
+          <p:cNvPr id="28" name="Pfeil nach rechts 27"/>
+          <p:cNvSpPr/>
+          <p:nvPr/>
+        </p:nvSpPr>
+        <p:spPr>
+          <a:xfrm>
+            <a:off x="3136095" y="1867118"/>
+            <a:ext cx="321351" cy="283574"/>
+          </a:xfrm>
+          <a:prstGeom prst="rightArrow">
+            <a:avLst/>
+          </a:prstGeom>
+        </p:spPr>
+        <p:style>
+          <a:lnRef idx="2">
+            <a:schemeClr val="accent1">
+              <a:shade val="50000"/>
+            </a:schemeClr>
+          </a:lnRef>
+          <a:fillRef idx="1">
+            <a:schemeClr val="accent1"/>
+          </a:fillRef>
+          <a:effectRef idx="0">
+            <a:schemeClr val="accent1"/>
+          </a:effectRef>
+          <a:fontRef idx="minor">
+            <a:schemeClr val="lt1"/>
+          </a:fontRef>
+        </p:style>
+        <p:txBody>
+          <a:bodyPr rtlCol="0" anchor="ctr"/>
+          <a:lstStyle/>
+          <a:p>
+            <a:pPr algn="ctr"/>
+            <a:endParaRPr lang="en-US" dirty="0"/>
+          </a:p>
+        </p:txBody>
+      </p:sp>
+      <p:sp>
+        <p:nvSpPr>
+          <p:cNvPr id="29" name="Pfeil nach rechts 28"/>
+          <p:cNvSpPr/>
+          <p:nvPr/>
+        </p:nvSpPr>
+        <p:spPr>
+          <a:xfrm rot="16200000">
+            <a:off x="3633472" y="2340187"/>
+            <a:ext cx="622708" cy="283574"/>
+          </a:xfrm>
+          <a:prstGeom prst="rightArrow">
+            <a:avLst/>
+          </a:prstGeom>
+        </p:spPr>
+        <p:style>
+          <a:lnRef idx="2">
+            <a:schemeClr val="accent1">
+              <a:shade val="50000"/>
+            </a:schemeClr>
+          </a:lnRef>
+          <a:fillRef idx="1">
+            <a:schemeClr val="accent1"/>
+          </a:fillRef>
+          <a:effectRef idx="0">
+            <a:schemeClr val="accent1"/>
+          </a:effectRef>
+          <a:fontRef idx="minor">
+            <a:schemeClr val="lt1"/>
+          </a:fontRef>
+        </p:style>
+        <p:txBody>
+          <a:bodyPr rtlCol="0" anchor="ctr"/>
+          <a:lstStyle/>
+          <a:p>
+            <a:pPr algn="ctr"/>
+            <a:endParaRPr lang="en-US" dirty="0"/>
+          </a:p>
+        </p:txBody>
+      </p:sp>
+      <p:sp>
+        <p:nvSpPr>
+          <p:cNvPr id="30" name="Pfeil nach rechts 29"/>
+          <p:cNvSpPr/>
+          <p:nvPr/>
+        </p:nvSpPr>
+        <p:spPr>
+          <a:xfrm>
+            <a:off x="4539583" y="1867118"/>
+            <a:ext cx="321351" cy="283574"/>
+          </a:xfrm>
+          <a:prstGeom prst="rightArrow">
+            <a:avLst/>
+          </a:prstGeom>
+        </p:spPr>
+        <p:style>
+          <a:lnRef idx="2">
+            <a:schemeClr val="accent1">
+              <a:shade val="50000"/>
+            </a:schemeClr>
+          </a:lnRef>
+          <a:fillRef idx="1">
+            <a:schemeClr val="accent1"/>
+          </a:fillRef>
+          <a:effectRef idx="0">
+            <a:schemeClr val="accent1"/>
+          </a:effectRef>
+          <a:fontRef idx="minor">
+            <a:schemeClr val="lt1"/>
+          </a:fontRef>
+        </p:style>
+        <p:txBody>
+          <a:bodyPr rtlCol="0" anchor="ctr"/>
+          <a:lstStyle/>
+          <a:p>
+            <a:pPr algn="ctr"/>
+            <a:endParaRPr lang="en-US" dirty="0"/>
+          </a:p>
+        </p:txBody>
+      </p:sp>
+      <p:sp>
+        <p:nvSpPr>
+          <p:cNvPr id="31" name="Textfeld 30"/>
+          <p:cNvSpPr txBox="1"/>
+          <p:nvPr/>
+        </p:nvSpPr>
+        <p:spPr>
+          <a:xfrm>
+            <a:off x="4850671" y="1836373"/>
+            <a:ext cx="1114985" cy="369332"/>
+          </a:xfrm>
+          <a:prstGeom prst="rect">
+            <a:avLst/>
+          </a:prstGeom>
+          <a:noFill/>
+        </p:spPr>
+        <p:txBody>
+          <a:bodyPr wrap="none" rtlCol="0">
+            <a:spAutoFit/>
+          </a:bodyPr>
+          <a:lstStyle/>
+          <a:p>
+            <a:r>
+              <a:rPr lang="en-US" dirty="0" smtClean="0"/>
+              <a:t>Path.msp</a:t>
+            </a:r>
+            <a:endParaRPr lang="en-US" dirty="0"/>
+          </a:p>
+        </p:txBody>
+      </p:sp>
+    </p:spTree>
+    <p:extLst>
+      <p:ext uri="{BB962C8B-B14F-4D97-AF65-F5344CB8AC3E}">
+        <p14:creationId xmlns:p14="http://schemas.microsoft.com/office/powerpoint/2010/main" val="1786267349"/>
+      </p:ext>
+    </p:extLst>
+  </p:cSld>
+  <p:clrMapOvr>
+    <a:masterClrMapping/>
+  </p:clrMapOvr>
+  <p:transition spd="slow">
+    <p:push/>
+  </p:transition>
+  <p:timing>
+    <p:tnLst>
+      <p:par>
+        <p:cTn id="1" dur="indefinite" restart="never" nodeType="tmRoot">
+          <p:childTnLst>
+            <p:seq concurrent="1" nextAc="seek">
+              <p:cTn id="2" dur="indefinite" nodeType="mainSeq">
+                <p:childTnLst>
+                  <p:par>
+                    <p:cTn id="3" fill="hold">
+                      <p:stCondLst>
+                        <p:cond delay="indefinite"/>
+                      </p:stCondLst>
+                      <p:childTnLst>
+                        <p:par>
+                          <p:cTn id="4" fill="hold">
+                            <p:stCondLst>
+                              <p:cond delay="0"/>
+                            </p:stCondLst>
+                            <p:childTnLst>
+                              <p:par>
+                                <p:cTn id="5" presetID="10" presetClass="entr" presetSubtype="0" fill="hold" grpId="0" nodeType="clickEffect">
+                                  <p:stCondLst>
+                                    <p:cond delay="0"/>
+                                  </p:stCondLst>
+                                  <p:childTnLst>
+                                    <p:set>
+                                      <p:cBhvr>
+                                        <p:cTn id="6" dur="1" fill="hold">
+                                          <p:stCondLst>
+                                            <p:cond delay="0"/>
+                                          </p:stCondLst>
+                                        </p:cTn>
+                                        <p:tgtEl>
+                                          <p:spTgt spid="11"/>
+                                        </p:tgtEl>
+                                        <p:attrNameLst>
+                                          <p:attrName>style.visibility</p:attrName>
+                                        </p:attrNameLst>
+                                      </p:cBhvr>
+                                      <p:to>
+                                        <p:strVal val="visible"/>
+                                      </p:to>
+                                    </p:set>
+                                    <p:animEffect transition="in" filter="fade">
+                                      <p:cBhvr>
+                                        <p:cTn id="7" dur="500"/>
+                                        <p:tgtEl>
+                                          <p:spTgt spid="11"/>
+                                        </p:tgtEl>
+                                      </p:cBhvr>
+                                    </p:animEffect>
+                                  </p:childTnLst>
+                                </p:cTn>
+                              </p:par>
+                              <p:par>
+                                <p:cTn id="8" presetID="10" presetClass="entr" presetSubtype="0" fill="hold" grpId="0" nodeType="withEffect">
+                                  <p:stCondLst>
+                                    <p:cond delay="0"/>
+                                  </p:stCondLst>
+                                  <p:childTnLst>
+                                    <p:set>
+                                      <p:cBhvr>
+                                        <p:cTn id="9" dur="1" fill="hold">
+                                          <p:stCondLst>
+                                            <p:cond delay="0"/>
+                                          </p:stCondLst>
+                                        </p:cTn>
+                                        <p:tgtEl>
+                                          <p:spTgt spid="9"/>
+                                        </p:tgtEl>
+                                        <p:attrNameLst>
+                                          <p:attrName>style.visibility</p:attrName>
+                                        </p:attrNameLst>
+                                      </p:cBhvr>
+                                      <p:to>
+                                        <p:strVal val="visible"/>
+                                      </p:to>
+                                    </p:set>
+                                    <p:animEffect transition="in" filter="fade">
+                                      <p:cBhvr>
+                                        <p:cTn id="10" dur="500"/>
+                                        <p:tgtEl>
+                                          <p:spTgt spid="9"/>
+                                        </p:tgtEl>
+                                      </p:cBhvr>
+                                    </p:animEffect>
+                                  </p:childTnLst>
+                                </p:cTn>
+                              </p:par>
+                              <p:par>
+                                <p:cTn id="11" presetID="10" presetClass="entr" presetSubtype="0" fill="hold" grpId="0" nodeType="withEffect">
+                                  <p:stCondLst>
+                                    <p:cond delay="0"/>
+                                  </p:stCondLst>
+                                  <p:childTnLst>
+                                    <p:set>
+                                      <p:cBhvr>
+                                        <p:cTn id="12" dur="1" fill="hold">
+                                          <p:stCondLst>
+                                            <p:cond delay="0"/>
+                                          </p:stCondLst>
+                                        </p:cTn>
+                                        <p:tgtEl>
+                                          <p:spTgt spid="19"/>
+                                        </p:tgtEl>
+                                        <p:attrNameLst>
+                                          <p:attrName>style.visibility</p:attrName>
+                                        </p:attrNameLst>
+                                      </p:cBhvr>
+                                      <p:to>
+                                        <p:strVal val="visible"/>
+                                      </p:to>
+                                    </p:set>
+                                    <p:animEffect transition="in" filter="fade">
+                                      <p:cBhvr>
+                                        <p:cTn id="13" dur="500"/>
+                                        <p:tgtEl>
+                                          <p:spTgt spid="19"/>
+                                        </p:tgtEl>
+                                      </p:cBhvr>
+                                    </p:animEffect>
+                                  </p:childTnLst>
+                                </p:cTn>
+                              </p:par>
+                              <p:par>
+                                <p:cTn id="14" presetID="10" presetClass="entr" presetSubtype="0" fill="hold" grpId="0" nodeType="withEffect">
+                                  <p:stCondLst>
+                                    <p:cond delay="0"/>
+                                  </p:stCondLst>
+                                  <p:childTnLst>
+                                    <p:set>
+                                      <p:cBhvr>
+                                        <p:cTn id="15" dur="1" fill="hold">
+                                          <p:stCondLst>
+                                            <p:cond delay="0"/>
+                                          </p:stCondLst>
+                                        </p:cTn>
+                                        <p:tgtEl>
+                                          <p:spTgt spid="23"/>
+                                        </p:tgtEl>
+                                        <p:attrNameLst>
+                                          <p:attrName>style.visibility</p:attrName>
+                                        </p:attrNameLst>
+                                      </p:cBhvr>
+                                      <p:to>
+                                        <p:strVal val="visible"/>
+                                      </p:to>
+                                    </p:set>
+                                    <p:animEffect transition="in" filter="fade">
+                                      <p:cBhvr>
+                                        <p:cTn id="16" dur="500"/>
+                                        <p:tgtEl>
+                                          <p:spTgt spid="23"/>
+                                        </p:tgtEl>
+                                      </p:cBhvr>
+                                    </p:animEffect>
+                                  </p:childTnLst>
+                                </p:cTn>
+                              </p:par>
+                            </p:childTnLst>
+                          </p:cTn>
+                        </p:par>
+                      </p:childTnLst>
+                    </p:cTn>
+                  </p:par>
+                  <p:par>
+                    <p:cTn id="17" fill="hold">
+                      <p:stCondLst>
+                        <p:cond delay="indefinite"/>
+                      </p:stCondLst>
+                      <p:childTnLst>
+                        <p:par>
+                          <p:cTn id="18" fill="hold">
+                            <p:stCondLst>
+                              <p:cond delay="0"/>
+                            </p:stCondLst>
+                            <p:childTnLst>
+                              <p:par>
+                                <p:cTn id="19" presetID="10" presetClass="entr" presetSubtype="0" fill="hold" grpId="0" nodeType="clickEffect">
+                                  <p:stCondLst>
+                                    <p:cond delay="0"/>
+                                  </p:stCondLst>
+                                  <p:childTnLst>
+                                    <p:set>
+                                      <p:cBhvr>
+                                        <p:cTn id="20" dur="1" fill="hold">
+                                          <p:stCondLst>
+                                            <p:cond delay="0"/>
+                                          </p:stCondLst>
+                                        </p:cTn>
+                                        <p:tgtEl>
+                                          <p:spTgt spid="24"/>
+                                        </p:tgtEl>
+                                        <p:attrNameLst>
+                                          <p:attrName>style.visibility</p:attrName>
+                                        </p:attrNameLst>
+                                      </p:cBhvr>
+                                      <p:to>
+                                        <p:strVal val="visible"/>
+                                      </p:to>
+                                    </p:set>
+                                    <p:animEffect transition="in" filter="fade">
+                                      <p:cBhvr>
+                                        <p:cTn id="21" dur="500"/>
+                                        <p:tgtEl>
+                                          <p:spTgt spid="24"/>
+                                        </p:tgtEl>
+                                      </p:cBhvr>
+                                    </p:animEffect>
+                                  </p:childTnLst>
+                                </p:cTn>
+                              </p:par>
+                            </p:childTnLst>
+                          </p:cTn>
+                        </p:par>
+                      </p:childTnLst>
+                    </p:cTn>
+                  </p:par>
+                  <p:par>
+                    <p:cTn id="22" fill="hold">
+                      <p:stCondLst>
+                        <p:cond delay="indefinite"/>
+                      </p:stCondLst>
+                      <p:childTnLst>
+                        <p:par>
+                          <p:cTn id="23" fill="hold">
+                            <p:stCondLst>
+                              <p:cond delay="0"/>
+                            </p:stCondLst>
+                            <p:childTnLst>
+                              <p:par>
+                                <p:cTn id="24" presetID="10" presetClass="entr" presetSubtype="0" fill="hold" grpId="0" nodeType="clickEffect">
+                                  <p:stCondLst>
+                                    <p:cond delay="0"/>
+                                  </p:stCondLst>
+                                  <p:childTnLst>
+                                    <p:set>
+                                      <p:cBhvr>
+                                        <p:cTn id="25" dur="1" fill="hold">
+                                          <p:stCondLst>
+                                            <p:cond delay="0"/>
+                                          </p:stCondLst>
+                                        </p:cTn>
+                                        <p:tgtEl>
+                                          <p:spTgt spid="25"/>
+                                        </p:tgtEl>
+                                        <p:attrNameLst>
+                                          <p:attrName>style.visibility</p:attrName>
+                                        </p:attrNameLst>
+                                      </p:cBhvr>
+                                      <p:to>
+                                        <p:strVal val="visible"/>
+                                      </p:to>
+                                    </p:set>
+                                    <p:animEffect transition="in" filter="fade">
+                                      <p:cBhvr>
+                                        <p:cTn id="26" dur="500"/>
+                                        <p:tgtEl>
+                                          <p:spTgt spid="25"/>
+                                        </p:tgtEl>
+                                      </p:cBhvr>
+                                    </p:animEffect>
+                                  </p:childTnLst>
+                                </p:cTn>
+                              </p:par>
+                              <p:par>
+                                <p:cTn id="27" presetID="10" presetClass="entr" presetSubtype="0" fill="hold" grpId="0" nodeType="withEffect">
+                                  <p:stCondLst>
+                                    <p:cond delay="0"/>
+                                  </p:stCondLst>
+                                  <p:childTnLst>
+                                    <p:set>
+                                      <p:cBhvr>
+                                        <p:cTn id="28" dur="1" fill="hold">
+                                          <p:stCondLst>
+                                            <p:cond delay="0"/>
+                                          </p:stCondLst>
+                                        </p:cTn>
+                                        <p:tgtEl>
+                                          <p:spTgt spid="26"/>
+                                        </p:tgtEl>
+                                        <p:attrNameLst>
+                                          <p:attrName>style.visibility</p:attrName>
+                                        </p:attrNameLst>
+                                      </p:cBhvr>
+                                      <p:to>
+                                        <p:strVal val="visible"/>
+                                      </p:to>
+                                    </p:set>
+                                    <p:animEffect transition="in" filter="fade">
+                                      <p:cBhvr>
+                                        <p:cTn id="29" dur="500"/>
+                                        <p:tgtEl>
+                                          <p:spTgt spid="26"/>
+                                        </p:tgtEl>
+                                      </p:cBhvr>
+                                    </p:animEffect>
+                                  </p:childTnLst>
+                                </p:cTn>
+                              </p:par>
+                              <p:par>
+                                <p:cTn id="30" presetID="10" presetClass="entr" presetSubtype="0" fill="hold" grpId="0" nodeType="withEffect">
+                                  <p:stCondLst>
+                                    <p:cond delay="0"/>
+                                  </p:stCondLst>
+                                  <p:childTnLst>
+                                    <p:set>
+                                      <p:cBhvr>
+                                        <p:cTn id="31" dur="1" fill="hold">
+                                          <p:stCondLst>
+                                            <p:cond delay="0"/>
+                                          </p:stCondLst>
+                                        </p:cTn>
+                                        <p:tgtEl>
+                                          <p:spTgt spid="27"/>
+                                        </p:tgtEl>
+                                        <p:attrNameLst>
+                                          <p:attrName>style.visibility</p:attrName>
+                                        </p:attrNameLst>
+                                      </p:cBhvr>
+                                      <p:to>
+                                        <p:strVal val="visible"/>
+                                      </p:to>
+                                    </p:set>
+                                    <p:animEffect transition="in" filter="fade">
+                                      <p:cBhvr>
+                                        <p:cTn id="32" dur="500"/>
+                                        <p:tgtEl>
+                                          <p:spTgt spid="27"/>
+                                        </p:tgtEl>
+                                      </p:cBhvr>
+                                    </p:animEffect>
+                                  </p:childTnLst>
+                                </p:cTn>
+                              </p:par>
+                            </p:childTnLst>
+                          </p:cTn>
+                        </p:par>
+                      </p:childTnLst>
+                    </p:cTn>
+                  </p:par>
+                  <p:par>
+                    <p:cTn id="33" fill="hold">
+                      <p:stCondLst>
+                        <p:cond delay="indefinite"/>
+                      </p:stCondLst>
+                      <p:childTnLst>
+                        <p:par>
+                          <p:cTn id="34" fill="hold">
+                            <p:stCondLst>
+                              <p:cond delay="0"/>
+                            </p:stCondLst>
+                            <p:childTnLst>
+                              <p:par>
+                                <p:cTn id="35" presetID="10" presetClass="entr" presetSubtype="0" fill="hold" grpId="0" nodeType="clickEffect">
+                                  <p:stCondLst>
+                                    <p:cond delay="0"/>
+                                  </p:stCondLst>
+                                  <p:childTnLst>
+                                    <p:set>
+                                      <p:cBhvr>
+                                        <p:cTn id="36" dur="1" fill="hold">
+                                          <p:stCondLst>
+                                            <p:cond delay="0"/>
+                                          </p:stCondLst>
+                                        </p:cTn>
+                                        <p:tgtEl>
+                                          <p:spTgt spid="28"/>
+                                        </p:tgtEl>
+                                        <p:attrNameLst>
+                                          <p:attrName>style.visibility</p:attrName>
+                                        </p:attrNameLst>
+                                      </p:cBhvr>
+                                      <p:to>
+                                        <p:strVal val="visible"/>
+                                      </p:to>
+                                    </p:set>
+                                    <p:animEffect transition="in" filter="fade">
+                                      <p:cBhvr>
+                                        <p:cTn id="37" dur="500"/>
+                                        <p:tgtEl>
+                                          <p:spTgt spid="28"/>
+                                        </p:tgtEl>
+                                      </p:cBhvr>
+                                    </p:animEffect>
+                                  </p:childTnLst>
+                                </p:cTn>
+                              </p:par>
+                            </p:childTnLst>
+                          </p:cTn>
+                        </p:par>
+                      </p:childTnLst>
+                    </p:cTn>
+                  </p:par>
+                  <p:par>
+                    <p:cTn id="38" fill="hold">
+                      <p:stCondLst>
+                        <p:cond delay="indefinite"/>
+                      </p:stCondLst>
+                      <p:childTnLst>
+                        <p:par>
+                          <p:cTn id="39" fill="hold">
+                            <p:stCondLst>
+                              <p:cond delay="0"/>
+                            </p:stCondLst>
+                            <p:childTnLst>
+                              <p:par>
+                                <p:cTn id="40" presetID="10" presetClass="entr" presetSubtype="0" fill="hold" grpId="0" nodeType="clickEffect">
+                                  <p:stCondLst>
+                                    <p:cond delay="0"/>
+                                  </p:stCondLst>
+                                  <p:childTnLst>
+                                    <p:set>
+                                      <p:cBhvr>
+                                        <p:cTn id="41" dur="1" fill="hold">
+                                          <p:stCondLst>
+                                            <p:cond delay="0"/>
+                                          </p:stCondLst>
+                                        </p:cTn>
+                                        <p:tgtEl>
+                                          <p:spTgt spid="29"/>
+                                        </p:tgtEl>
+                                        <p:attrNameLst>
+                                          <p:attrName>style.visibility</p:attrName>
+                                        </p:attrNameLst>
+                                      </p:cBhvr>
+                                      <p:to>
+                                        <p:strVal val="visible"/>
+                                      </p:to>
+                                    </p:set>
+                                    <p:animEffect transition="in" filter="fade">
+                                      <p:cBhvr>
+                                        <p:cTn id="42" dur="500"/>
+                                        <p:tgtEl>
+                                          <p:spTgt spid="29"/>
+                                        </p:tgtEl>
+                                      </p:cBhvr>
+                                    </p:animEffect>
+                                  </p:childTnLst>
+                                </p:cTn>
+                              </p:par>
+                            </p:childTnLst>
+                          </p:cTn>
+                        </p:par>
+                      </p:childTnLst>
+                    </p:cTn>
+                  </p:par>
+                  <p:par>
+                    <p:cTn id="43" fill="hold">
+                      <p:stCondLst>
+                        <p:cond delay="indefinite"/>
+                      </p:stCondLst>
+                      <p:childTnLst>
+                        <p:par>
+                          <p:cTn id="44" fill="hold">
+                            <p:stCondLst>
+                              <p:cond delay="0"/>
+                            </p:stCondLst>
+                            <p:childTnLst>
+                              <p:par>
+                                <p:cTn id="45" presetID="10" presetClass="entr" presetSubtype="0" fill="hold" grpId="0" nodeType="clickEffect">
+                                  <p:stCondLst>
+                                    <p:cond delay="0"/>
+                                  </p:stCondLst>
+                                  <p:childTnLst>
+                                    <p:set>
+                                      <p:cBhvr>
+                                        <p:cTn id="46" dur="1" fill="hold">
+                                          <p:stCondLst>
+                                            <p:cond delay="0"/>
+                                          </p:stCondLst>
+                                        </p:cTn>
+                                        <p:tgtEl>
+                                          <p:spTgt spid="30"/>
+                                        </p:tgtEl>
+                                        <p:attrNameLst>
+                                          <p:attrName>style.visibility</p:attrName>
+                                        </p:attrNameLst>
+                                      </p:cBhvr>
+                                      <p:to>
+                                        <p:strVal val="visible"/>
+                                      </p:to>
+                                    </p:set>
+                                    <p:animEffect transition="in" filter="fade">
+                                      <p:cBhvr>
+                                        <p:cTn id="47" dur="500"/>
+                                        <p:tgtEl>
+                                          <p:spTgt spid="30"/>
+                                        </p:tgtEl>
+                                      </p:cBhvr>
+                                    </p:animEffect>
+                                  </p:childTnLst>
+                                </p:cTn>
+                              </p:par>
+                              <p:par>
+                                <p:cTn id="48" presetID="10" presetClass="entr" presetSubtype="0" fill="hold" grpId="0" nodeType="withEffect">
+                                  <p:stCondLst>
+                                    <p:cond delay="0"/>
+                                  </p:stCondLst>
+                                  <p:childTnLst>
+                                    <p:set>
+                                      <p:cBhvr>
+                                        <p:cTn id="49" dur="1" fill="hold">
+                                          <p:stCondLst>
+                                            <p:cond delay="0"/>
+                                          </p:stCondLst>
+                                        </p:cTn>
+                                        <p:tgtEl>
+                                          <p:spTgt spid="31"/>
+                                        </p:tgtEl>
+                                        <p:attrNameLst>
+                                          <p:attrName>style.visibility</p:attrName>
+                                        </p:attrNameLst>
+                                      </p:cBhvr>
+                                      <p:to>
+                                        <p:strVal val="visible"/>
+                                      </p:to>
+                                    </p:set>
+                                    <p:animEffect transition="in" filter="fade">
+                                      <p:cBhvr>
+                                        <p:cTn id="50" dur="500"/>
+                                        <p:tgtEl>
+                                          <p:spTgt spid="31"/>
+                                        </p:tgtEl>
+                                      </p:cBhvr>
+                                    </p:animEffect>
+                                  </p:childTnLst>
+                                </p:cTn>
+                              </p:par>
+                            </p:childTnLst>
+                          </p:cTn>
+                        </p:par>
+                      </p:childTnLst>
+                    </p:cTn>
+                  </p:par>
+                </p:childTnLst>
+              </p:cTn>
+              <p:prevCondLst>
+                <p:cond evt="onPrev" delay="0">
+                  <p:tgtEl>
+                    <p:sldTgt/>
+                  </p:tgtEl>
+                </p:cond>
+              </p:prevCondLst>
+              <p:nextCondLst>
+                <p:cond evt="onNext" delay="0">
+                  <p:tgtEl>
+                    <p:sldTgt/>
+                  </p:tgtEl>
+                </p:cond>
+              </p:nextCondLst>
+            </p:seq>
+          </p:childTnLst>
+        </p:cTn>
+      </p:par>
+    </p:tnLst>
+    <p:bldLst>
+      <p:bldP spid="9" grpId="0"/>
+      <p:bldP spid="11" grpId="0" animBg="1"/>
+      <p:bldP spid="19" grpId="0"/>
+      <p:bldP spid="23" grpId="0"/>
+      <p:bldP spid="24" grpId="0" animBg="1"/>
+      <p:bldP spid="25" grpId="0" animBg="1"/>
+      <p:bldP spid="26" grpId="0"/>
+      <p:bldP spid="27" grpId="0"/>
+      <p:bldP spid="28" grpId="0" animBg="1"/>
+      <p:bldP spid="29" grpId="0" animBg="1"/>
+      <p:bldP spid="30" grpId="0" animBg="1"/>
+      <p:bldP spid="31" grpId="0"/>
+    </p:bldLst>
+  </p:timing>
+</p:sld>
+</file>
+
+<file path=ppt/slides/slide92.xml><?xml version="1.0" encoding="utf-8"?>
+<p:sld xmlns:a="http://schemas.openxmlformats.org/drawingml/2006/main" xmlns:r="http://schemas.openxmlformats.org/officeDocument/2006/relationships" xmlns:p="http://schemas.openxmlformats.org/presentationml/2006/main">
+  <p:cSld>
+    <p:spTree>
+      <p:nvGrpSpPr>
+        <p:cNvPr id="1" name=""/>
+        <p:cNvGrpSpPr/>
+        <p:nvPr/>
+      </p:nvGrpSpPr>
+      <p:grpSpPr>
+        <a:xfrm>
+          <a:off x="0" y="0"/>
+          <a:ext cx="0" cy="0"/>
+          <a:chOff x="0" y="0"/>
+          <a:chExt cx="0" cy="0"/>
+        </a:xfrm>
+      </p:grpSpPr>
+      <p:sp>
+        <p:nvSpPr>
+          <p:cNvPr id="10" name="Titel 9"/>
+          <p:cNvSpPr>
+            <a:spLocks noGrp="1"/>
+          </p:cNvSpPr>
+          <p:nvPr>
+            <p:ph type="title"/>
+          </p:nvPr>
+        </p:nvSpPr>
+        <p:spPr/>
+        <p:txBody>
+          <a:bodyPr/>
+          <a:lstStyle/>
+          <a:p>
+            <a:r>
+              <a:rPr lang="en-US" i="1" dirty="0" smtClean="0"/>
+              <a:t>.</a:t>
+            </a:r>
+            <a:r>
+              <a:rPr lang="en-US" i="1" dirty="0" err="1" smtClean="0"/>
+              <a:t>wixmsp</a:t>
+            </a:r>
+            <a:r>
+              <a:rPr lang="en-US" dirty="0" smtClean="0"/>
+              <a:t> File</a:t>
+            </a:r>
+            <a:endParaRPr lang="en-US" dirty="0"/>
+          </a:p>
+        </p:txBody>
+      </p:sp>
+      <p:sp>
+        <p:nvSpPr>
+          <p:cNvPr id="11" name="Inhaltsplatzhalter 10"/>
+          <p:cNvSpPr>
+            <a:spLocks noGrp="1"/>
+          </p:cNvSpPr>
+          <p:nvPr>
+            <p:ph sz="quarter" idx="22"/>
+          </p:nvPr>
+        </p:nvSpPr>
+        <p:spPr/>
+        <p:txBody>
+          <a:bodyPr/>
+          <a:lstStyle/>
+          <a:p>
+            <a:r>
+              <a:rPr lang="en-US" dirty="0"/>
+              <a:t>&lt;?xml version="1.0" encoding="UTF-8"?&gt;</a:t>
+            </a:r>
+          </a:p>
+          <a:p>
+            <a:r>
+              <a:rPr lang="en-US" dirty="0"/>
+              <a:t>&lt;</a:t>
+            </a:r>
+            <a:r>
+              <a:rPr lang="en-US" dirty="0" err="1"/>
+              <a:t>Wix</a:t>
+            </a:r>
+            <a:r>
+              <a:rPr lang="en-US" dirty="0"/>
+              <a:t> </a:t>
+            </a:r>
+            <a:r>
+              <a:rPr lang="en-US" dirty="0" err="1"/>
+              <a:t>xmlns</a:t>
+            </a:r>
+            <a:r>
+              <a:rPr lang="en-US" dirty="0"/>
+              <a:t>="http://schemas.microsoft.com/</a:t>
+            </a:r>
+            <a:r>
+              <a:rPr lang="en-US" dirty="0" err="1"/>
+              <a:t>wix</a:t>
+            </a:r>
+            <a:r>
+              <a:rPr lang="en-US" dirty="0"/>
+              <a:t>/2006/</a:t>
+            </a:r>
+            <a:r>
+              <a:rPr lang="en-US" dirty="0" err="1"/>
+              <a:t>wi</a:t>
+            </a:r>
+            <a:r>
+              <a:rPr lang="en-US" dirty="0"/>
+              <a:t>"&gt;</a:t>
+            </a:r>
+          </a:p>
+          <a:p>
+            <a:r>
+              <a:rPr lang="en-US" dirty="0"/>
+              <a:t>    &lt;</a:t>
+            </a:r>
+            <a:r>
+              <a:rPr lang="en-US" dirty="0">
+                <a:solidFill>
+                  <a:srgbClr val="00B050"/>
+                </a:solidFill>
+              </a:rPr>
+              <a:t>Patch </a:t>
+            </a:r>
+          </a:p>
+          <a:p>
+            <a:r>
+              <a:rPr lang="en-US" dirty="0"/>
+              <a:t>        </a:t>
+            </a:r>
+            <a:r>
+              <a:rPr lang="en-US" dirty="0" err="1"/>
+              <a:t>AllowRemoval</a:t>
+            </a:r>
+            <a:r>
+              <a:rPr lang="en-US" dirty="0"/>
+              <a:t>="yes"</a:t>
+            </a:r>
+          </a:p>
+          <a:p>
+            <a:r>
+              <a:rPr lang="en-US" dirty="0"/>
+              <a:t>        Manufacturer="software architects" </a:t>
+            </a:r>
+          </a:p>
+          <a:p>
+            <a:r>
+              <a:rPr lang="en-US" dirty="0"/>
+              <a:t>        </a:t>
+            </a:r>
+            <a:r>
+              <a:rPr lang="en-US" dirty="0" err="1"/>
+              <a:t>MoreInfoURL</a:t>
+            </a:r>
+            <a:r>
+              <a:rPr lang="en-US" dirty="0"/>
+              <a:t>="http://www.timecockpit.com/"</a:t>
+            </a:r>
+          </a:p>
+          <a:p>
+            <a:r>
+              <a:rPr lang="en-US" dirty="0"/>
+              <a:t>        </a:t>
+            </a:r>
+            <a:r>
+              <a:rPr lang="en-US" dirty="0" err="1"/>
+              <a:t>DisplayName</a:t>
+            </a:r>
+            <a:r>
+              <a:rPr lang="en-US" dirty="0"/>
+              <a:t>="Sample Patch" </a:t>
+            </a:r>
+          </a:p>
+          <a:p>
+            <a:r>
+              <a:rPr lang="en-US" dirty="0"/>
+              <a:t>        Description="Small Update Patch" </a:t>
+            </a:r>
+          </a:p>
+          <a:p>
+            <a:r>
+              <a:rPr lang="en-US" dirty="0"/>
+              <a:t>        Classification="Update"&gt;</a:t>
+            </a:r>
+          </a:p>
+          <a:p>
+            <a:endParaRPr lang="en-US" dirty="0"/>
+          </a:p>
+          <a:p>
+            <a:r>
+              <a:rPr lang="en-US" dirty="0"/>
+              <a:t>        &lt;Media Id="5000" Cabinet="RTM.cab"&gt;</a:t>
+            </a:r>
+          </a:p>
+          <a:p>
+            <a:r>
+              <a:rPr lang="en-US" dirty="0"/>
+              <a:t>            &lt;</a:t>
+            </a:r>
+            <a:r>
+              <a:rPr lang="en-US" dirty="0" err="1"/>
+              <a:t>PatchBaseline</a:t>
+            </a:r>
+            <a:r>
+              <a:rPr lang="en-US" dirty="0"/>
+              <a:t> Id="RTM"/&gt;</a:t>
+            </a:r>
+          </a:p>
+          <a:p>
+            <a:r>
+              <a:rPr lang="en-US" dirty="0"/>
+              <a:t>        &lt;/Media&gt;</a:t>
+            </a:r>
+          </a:p>
+          <a:p>
+            <a:endParaRPr lang="en-US" dirty="0"/>
+          </a:p>
+          <a:p>
+            <a:r>
+              <a:rPr lang="en-US" dirty="0"/>
+              <a:t>        &lt;</a:t>
+            </a:r>
+            <a:r>
+              <a:rPr lang="en-US" dirty="0" err="1"/>
+              <a:t>PatchFamily</a:t>
+            </a:r>
+            <a:r>
+              <a:rPr lang="en-US" dirty="0"/>
+              <a:t> Id='</a:t>
+            </a:r>
+            <a:r>
+              <a:rPr lang="en-US" dirty="0" err="1"/>
+              <a:t>SamplePatchFamily</a:t>
+            </a:r>
+            <a:r>
+              <a:rPr lang="en-US" dirty="0"/>
+              <a:t>' </a:t>
+            </a:r>
+          </a:p>
+          <a:p>
+            <a:r>
+              <a:rPr lang="en-US" dirty="0"/>
+              <a:t>                     Version='0.0.1.0' </a:t>
+            </a:r>
+          </a:p>
+          <a:p>
+            <a:r>
+              <a:rPr lang="en-US" dirty="0"/>
+              <a:t>                     Supersede='yes'&gt;</a:t>
+            </a:r>
+          </a:p>
+          <a:p>
+            <a:r>
+              <a:rPr lang="en-US" dirty="0"/>
+              <a:t>        &lt;/</a:t>
+            </a:r>
+            <a:r>
+              <a:rPr lang="en-US" dirty="0" err="1"/>
+              <a:t>PatchFamily</a:t>
+            </a:r>
+            <a:r>
+              <a:rPr lang="en-US" dirty="0"/>
+              <a:t>&gt;</a:t>
+            </a:r>
+          </a:p>
+          <a:p>
+            <a:r>
+              <a:rPr lang="en-US" dirty="0"/>
+              <a:t>    &lt;/Patch&gt;</a:t>
+            </a:r>
+          </a:p>
+          <a:p>
+            <a:r>
+              <a:rPr lang="en-US" dirty="0"/>
+              <a:t>&lt;/</a:t>
+            </a:r>
+            <a:r>
+              <a:rPr lang="en-US" dirty="0" err="1"/>
+              <a:t>Wix</a:t>
+            </a:r>
+            <a:r>
+              <a:rPr lang="en-US" dirty="0"/>
+              <a:t>&gt;</a:t>
+            </a:r>
+          </a:p>
+        </p:txBody>
+      </p:sp>
+      <p:sp>
+        <p:nvSpPr>
+          <p:cNvPr id="12" name="Textplatzhalter 11"/>
+          <p:cNvSpPr>
+            <a:spLocks noGrp="1"/>
+          </p:cNvSpPr>
+          <p:nvPr>
+            <p:ph type="body" sz="quarter" idx="23"/>
+          </p:nvPr>
+        </p:nvSpPr>
+        <p:spPr/>
+        <p:txBody>
+          <a:bodyPr/>
+          <a:lstStyle/>
+          <a:p>
+            <a:endParaRPr lang="en-US"/>
+          </a:p>
+        </p:txBody>
+      </p:sp>
+      <p:sp>
+        <p:nvSpPr>
+          <p:cNvPr id="13" name="Textplatzhalter 12"/>
+          <p:cNvSpPr>
+            <a:spLocks noGrp="1"/>
+          </p:cNvSpPr>
+          <p:nvPr>
+            <p:ph type="body" sz="quarter" idx="24"/>
+          </p:nvPr>
+        </p:nvSpPr>
+        <p:spPr/>
+        <p:txBody>
+          <a:bodyPr/>
+          <a:lstStyle/>
+          <a:p>
+            <a:r>
+              <a:rPr lang="en-US" dirty="0" smtClean="0"/>
+              <a:t>Classifications</a:t>
+            </a:r>
+          </a:p>
+          <a:p>
+            <a:pPr lvl="1"/>
+            <a:r>
+              <a:rPr lang="en-US" dirty="0"/>
+              <a:t>Critical Update, Hotfix, Security Rollup, Security Update, Service Pack, Update, and Update </a:t>
+            </a:r>
+            <a:r>
+              <a:rPr lang="en-US" dirty="0" smtClean="0"/>
+              <a:t>Rollup</a:t>
+            </a:r>
+            <a:endParaRPr lang="en-US" dirty="0"/>
+          </a:p>
+          <a:p>
+            <a:r>
+              <a:rPr lang="en-US" dirty="0" smtClean="0"/>
+              <a:t>Media ID must be &gt; media IDs of </a:t>
+            </a:r>
+            <a:r>
+              <a:rPr lang="en-US" i="1" dirty="0" smtClean="0"/>
+              <a:t>.MSI</a:t>
+            </a:r>
+            <a:endParaRPr lang="en-US" dirty="0" smtClean="0"/>
+          </a:p>
+          <a:p>
+            <a:endParaRPr lang="en-US" i="1" dirty="0"/>
+          </a:p>
+        </p:txBody>
+      </p:sp>
+      <p:sp>
+        <p:nvSpPr>
+          <p:cNvPr id="14" name="Textplatzhalter 13"/>
+          <p:cNvSpPr>
+            <a:spLocks noGrp="1"/>
+          </p:cNvSpPr>
+          <p:nvPr>
+            <p:ph type="body" sz="quarter" idx="25"/>
+          </p:nvPr>
+        </p:nvSpPr>
+        <p:spPr/>
+        <p:txBody>
+          <a:bodyPr/>
+          <a:lstStyle/>
+          <a:p>
+            <a:endParaRPr lang="en-US"/>
+          </a:p>
+        </p:txBody>
+      </p:sp>
+    </p:spTree>
+    <p:extLst>
+      <p:ext uri="{BB962C8B-B14F-4D97-AF65-F5344CB8AC3E}">
+        <p14:creationId xmlns:p14="http://schemas.microsoft.com/office/powerpoint/2010/main" val="169810231"/>
+      </p:ext>
+    </p:extLst>
+  </p:cSld>
+  <p:clrMapOvr>
+    <a:masterClrMapping/>
+  </p:clrMapOvr>
+  <p:transition spd="slow">
+    <p:push/>
+  </p:transition>
+</p:sld>
+</file>
+
+<file path=ppt/slides/slide93.xml><?xml version="1.0" encoding="utf-8"?>
+<p:sld xmlns:a="http://schemas.openxmlformats.org/drawingml/2006/main" xmlns:r="http://schemas.openxmlformats.org/officeDocument/2006/relationships" xmlns:p="http://schemas.openxmlformats.org/presentationml/2006/main">
+  <p:cSld>
+    <p:spTree>
+      <p:nvGrpSpPr>
+        <p:cNvPr id="1" name=""/>
+        <p:cNvGrpSpPr/>
+        <p:nvPr/>
+      </p:nvGrpSpPr>
+      <p:grpSpPr>
+        <a:xfrm>
+          <a:off x="0" y="0"/>
+          <a:ext cx="0" cy="0"/>
+          <a:chOff x="0" y="0"/>
+          <a:chExt cx="0" cy="0"/>
+        </a:xfrm>
+      </p:grpSpPr>
+      <p:sp>
+        <p:nvSpPr>
+          <p:cNvPr id="10" name="Titel 9"/>
+          <p:cNvSpPr>
+            <a:spLocks noGrp="1"/>
+          </p:cNvSpPr>
+          <p:nvPr>
+            <p:ph type="title"/>
+          </p:nvPr>
+        </p:nvSpPr>
+        <p:spPr/>
+        <p:txBody>
+          <a:bodyPr/>
+          <a:lstStyle/>
+          <a:p>
+            <a:r>
+              <a:rPr lang="en-US" dirty="0"/>
+              <a:t>Building </a:t>
+            </a:r>
+            <a:r>
+              <a:rPr lang="en-US" i="1" dirty="0" smtClean="0"/>
+              <a:t>.</a:t>
+            </a:r>
+            <a:r>
+              <a:rPr lang="en-US" i="1" dirty="0" err="1" smtClean="0"/>
+              <a:t>msp</a:t>
+            </a:r>
+            <a:endParaRPr lang="en-US" dirty="0"/>
+          </a:p>
+        </p:txBody>
+      </p:sp>
+      <p:sp>
+        <p:nvSpPr>
+          <p:cNvPr id="11" name="Inhaltsplatzhalter 10"/>
+          <p:cNvSpPr>
+            <a:spLocks noGrp="1"/>
+          </p:cNvSpPr>
+          <p:nvPr>
+            <p:ph sz="quarter" idx="22"/>
+          </p:nvPr>
+        </p:nvSpPr>
+        <p:spPr/>
+        <p:txBody>
+          <a:bodyPr/>
+          <a:lstStyle/>
+          <a:p>
+            <a:r>
+              <a:rPr lang="en-US" dirty="0"/>
+              <a:t>set </a:t>
+            </a:r>
+            <a:r>
+              <a:rPr lang="en-US" dirty="0" err="1"/>
+              <a:t>wixDir</a:t>
+            </a:r>
+            <a:r>
+              <a:rPr lang="en-US" dirty="0"/>
+              <a:t>="C:\Program Files (x86)\WiX Toolset v3.8\bin\"</a:t>
+            </a:r>
+          </a:p>
+          <a:p>
+            <a:endParaRPr lang="en-US" dirty="0"/>
+          </a:p>
+          <a:p>
+            <a:r>
+              <a:rPr lang="en-US" dirty="0"/>
+              <a:t>%</a:t>
+            </a:r>
+            <a:r>
+              <a:rPr lang="en-US" dirty="0" err="1"/>
+              <a:t>wixDir%candle</a:t>
+            </a:r>
+            <a:r>
+              <a:rPr lang="en-US" dirty="0"/>
+              <a:t> Old\</a:t>
+            </a:r>
+            <a:r>
+              <a:rPr lang="en-US" dirty="0" err="1"/>
+              <a:t>Product.wxs</a:t>
+            </a:r>
+            <a:r>
+              <a:rPr lang="en-US" dirty="0"/>
+              <a:t> -out Old\</a:t>
+            </a:r>
+          </a:p>
+          <a:p>
+            <a:r>
+              <a:rPr lang="en-US" dirty="0"/>
+              <a:t>%</a:t>
+            </a:r>
+            <a:r>
+              <a:rPr lang="en-US" dirty="0" err="1"/>
+              <a:t>wixDir%light</a:t>
+            </a:r>
+            <a:r>
+              <a:rPr lang="en-US" dirty="0"/>
+              <a:t> Old\</a:t>
+            </a:r>
+            <a:r>
+              <a:rPr lang="en-US" dirty="0" err="1"/>
+              <a:t>Product.wixobj</a:t>
+            </a:r>
+            <a:r>
+              <a:rPr lang="en-US" dirty="0"/>
+              <a:t> -out Output\Product1_0_0_0.msi</a:t>
+            </a:r>
+          </a:p>
+          <a:p>
+            <a:endParaRPr lang="en-US" dirty="0"/>
+          </a:p>
+          <a:p>
+            <a:r>
+              <a:rPr lang="en-US" dirty="0"/>
+              <a:t>%</a:t>
+            </a:r>
+            <a:r>
+              <a:rPr lang="en-US" dirty="0" err="1"/>
+              <a:t>wixDir%candle</a:t>
+            </a:r>
+            <a:r>
+              <a:rPr lang="en-US" dirty="0"/>
+              <a:t> New\</a:t>
+            </a:r>
+            <a:r>
+              <a:rPr lang="en-US" dirty="0" err="1"/>
+              <a:t>Product.wxs</a:t>
+            </a:r>
+            <a:r>
+              <a:rPr lang="en-US" dirty="0"/>
+              <a:t> -out New\</a:t>
+            </a:r>
+          </a:p>
+          <a:p>
+            <a:r>
+              <a:rPr lang="en-US" dirty="0"/>
+              <a:t>%</a:t>
+            </a:r>
+            <a:r>
+              <a:rPr lang="en-US" dirty="0" err="1"/>
+              <a:t>wixDir%light</a:t>
+            </a:r>
+            <a:r>
+              <a:rPr lang="en-US" dirty="0"/>
+              <a:t> New\</a:t>
+            </a:r>
+            <a:r>
+              <a:rPr lang="en-US" dirty="0" err="1"/>
+              <a:t>Product.wixobj</a:t>
+            </a:r>
+            <a:r>
+              <a:rPr lang="en-US" dirty="0"/>
+              <a:t> -out Output\Product1_0_1_0.msi</a:t>
+            </a:r>
+          </a:p>
+          <a:p>
+            <a:endParaRPr lang="en-US" dirty="0"/>
+          </a:p>
+          <a:p>
+            <a:r>
+              <a:rPr lang="en-US" dirty="0"/>
+              <a:t>%</a:t>
+            </a:r>
+            <a:r>
+              <a:rPr lang="en-US" dirty="0" err="1"/>
+              <a:t>wixDir%candle</a:t>
+            </a:r>
+            <a:r>
+              <a:rPr lang="en-US" dirty="0"/>
+              <a:t> Patch\</a:t>
+            </a:r>
+            <a:r>
+              <a:rPr lang="en-US" dirty="0" err="1"/>
+              <a:t>Patch.wxs</a:t>
+            </a:r>
+            <a:r>
+              <a:rPr lang="en-US" dirty="0"/>
+              <a:t> -out Patch\</a:t>
+            </a:r>
+          </a:p>
+          <a:p>
+            <a:r>
+              <a:rPr lang="en-US" dirty="0"/>
+              <a:t>%</a:t>
+            </a:r>
+            <a:r>
+              <a:rPr lang="en-US" dirty="0" err="1"/>
+              <a:t>wixDir%light</a:t>
+            </a:r>
+            <a:r>
+              <a:rPr lang="en-US" dirty="0"/>
+              <a:t> Patch\</a:t>
+            </a:r>
+            <a:r>
+              <a:rPr lang="en-US" dirty="0" err="1"/>
+              <a:t>Patch.wixobj</a:t>
+            </a:r>
+            <a:r>
+              <a:rPr lang="en-US" dirty="0"/>
+              <a:t> -out Output\</a:t>
+            </a:r>
+            <a:r>
+              <a:rPr lang="en-US" dirty="0" err="1"/>
+              <a:t>Patch.wixmsp</a:t>
+            </a:r>
+            <a:endParaRPr lang="en-US" dirty="0"/>
+          </a:p>
+          <a:p>
+            <a:endParaRPr lang="en-US" dirty="0"/>
+          </a:p>
+          <a:p>
+            <a:r>
+              <a:rPr lang="en-US" dirty="0"/>
+              <a:t>%</a:t>
+            </a:r>
+            <a:r>
+              <a:rPr lang="en-US" dirty="0" err="1"/>
+              <a:t>wixDir%</a:t>
+            </a:r>
+            <a:r>
+              <a:rPr lang="en-US" dirty="0" err="1">
+                <a:solidFill>
+                  <a:srgbClr val="00B050"/>
+                </a:solidFill>
+              </a:rPr>
+              <a:t>torch</a:t>
+            </a:r>
+            <a:r>
+              <a:rPr lang="en-US" dirty="0"/>
+              <a:t> -p -xi Output\Product1_0_0_0.wixpdb </a:t>
+            </a:r>
+            <a:endParaRPr lang="en-US" dirty="0" smtClean="0"/>
+          </a:p>
+          <a:p>
+            <a:r>
+              <a:rPr lang="en-US" dirty="0"/>
+              <a:t>	</a:t>
+            </a:r>
+            <a:r>
+              <a:rPr lang="en-US" dirty="0" smtClean="0"/>
+              <a:t>Output\Product1_0_1_0.wixpdb </a:t>
+            </a:r>
+            <a:r>
+              <a:rPr lang="en-US" dirty="0"/>
+              <a:t>-out Output\</a:t>
+            </a:r>
+            <a:r>
+              <a:rPr lang="en-US" dirty="0" err="1"/>
+              <a:t>Diff.wixmst</a:t>
+            </a:r>
+            <a:r>
+              <a:rPr lang="en-US" dirty="0"/>
+              <a:t> </a:t>
+            </a:r>
+          </a:p>
+          <a:p>
+            <a:r>
+              <a:rPr lang="en-US" dirty="0"/>
+              <a:t>%</a:t>
+            </a:r>
+            <a:r>
+              <a:rPr lang="en-US" dirty="0" err="1"/>
+              <a:t>wixDir%</a:t>
+            </a:r>
+            <a:r>
+              <a:rPr lang="en-US" dirty="0" err="1">
+                <a:solidFill>
+                  <a:srgbClr val="00B050"/>
+                </a:solidFill>
+              </a:rPr>
+              <a:t>pyro</a:t>
+            </a:r>
+            <a:r>
+              <a:rPr lang="en-US" dirty="0"/>
+              <a:t> Output\</a:t>
+            </a:r>
+            <a:r>
+              <a:rPr lang="en-US" dirty="0" err="1"/>
+              <a:t>Patch.wixmsp</a:t>
+            </a:r>
+            <a:r>
+              <a:rPr lang="en-US" dirty="0"/>
+              <a:t> -t RTM Output\</a:t>
+            </a:r>
+            <a:r>
+              <a:rPr lang="en-US" dirty="0" err="1"/>
+              <a:t>Diff.wixmst</a:t>
+            </a:r>
+            <a:r>
+              <a:rPr lang="en-US" dirty="0"/>
+              <a:t> </a:t>
+            </a:r>
+            <a:endParaRPr lang="en-US" dirty="0" smtClean="0"/>
+          </a:p>
+          <a:p>
+            <a:r>
+              <a:rPr lang="en-US" dirty="0"/>
+              <a:t>	</a:t>
+            </a:r>
+            <a:r>
+              <a:rPr lang="en-US" dirty="0" smtClean="0"/>
+              <a:t>-</a:t>
+            </a:r>
+            <a:r>
+              <a:rPr lang="en-US" dirty="0"/>
+              <a:t>out Output\Patch.msp </a:t>
+            </a:r>
+          </a:p>
+          <a:p>
+            <a:endParaRPr lang="en-US" dirty="0"/>
+          </a:p>
+        </p:txBody>
+      </p:sp>
+      <p:sp>
+        <p:nvSpPr>
+          <p:cNvPr id="12" name="Textplatzhalter 11"/>
+          <p:cNvSpPr>
+            <a:spLocks noGrp="1"/>
+          </p:cNvSpPr>
+          <p:nvPr>
+            <p:ph type="body" sz="quarter" idx="23"/>
+          </p:nvPr>
+        </p:nvSpPr>
+        <p:spPr/>
+        <p:txBody>
+          <a:bodyPr/>
+          <a:lstStyle/>
+          <a:p>
+            <a:endParaRPr lang="en-US"/>
+          </a:p>
+        </p:txBody>
+      </p:sp>
+      <p:sp>
+        <p:nvSpPr>
+          <p:cNvPr id="13" name="Textplatzhalter 12"/>
+          <p:cNvSpPr>
+            <a:spLocks noGrp="1"/>
+          </p:cNvSpPr>
+          <p:nvPr>
+            <p:ph type="body" sz="quarter" idx="24"/>
+          </p:nvPr>
+        </p:nvSpPr>
+        <p:spPr/>
+        <p:txBody>
+          <a:bodyPr/>
+          <a:lstStyle/>
+          <a:p>
+            <a:r>
+              <a:rPr lang="en-US" dirty="0" smtClean="0"/>
+              <a:t>Here: based on </a:t>
+            </a:r>
+            <a:r>
+              <a:rPr lang="en-US" i="1" dirty="0" smtClean="0"/>
+              <a:t>.</a:t>
+            </a:r>
+            <a:r>
+              <a:rPr lang="en-US" i="1" dirty="0" err="1" smtClean="0"/>
+              <a:t>wixpdb</a:t>
+            </a:r>
+            <a:endParaRPr lang="en-US" i="1" dirty="0" smtClean="0"/>
+          </a:p>
+          <a:p>
+            <a:r>
+              <a:rPr lang="en-US" dirty="0" smtClean="0"/>
+              <a:t>Option: based on </a:t>
+            </a:r>
+            <a:r>
+              <a:rPr lang="en-US" i="1" dirty="0" smtClean="0"/>
+              <a:t>.</a:t>
+            </a:r>
+            <a:r>
+              <a:rPr lang="en-US" i="1" dirty="0" err="1" smtClean="0"/>
+              <a:t>wixout</a:t>
+            </a:r>
+            <a:endParaRPr lang="en-US" i="1" dirty="0" smtClean="0"/>
+          </a:p>
+          <a:p>
+            <a:pPr lvl="1"/>
+            <a:r>
+              <a:rPr lang="en-US" dirty="0" smtClean="0"/>
+              <a:t>Advantage: Does not need original sources</a:t>
+            </a:r>
+            <a:endParaRPr lang="en-US" dirty="0"/>
+          </a:p>
+        </p:txBody>
+      </p:sp>
+      <p:sp>
+        <p:nvSpPr>
+          <p:cNvPr id="14" name="Textplatzhalter 13"/>
+          <p:cNvSpPr>
+            <a:spLocks noGrp="1"/>
+          </p:cNvSpPr>
+          <p:nvPr>
+            <p:ph type="body" sz="quarter" idx="25"/>
+          </p:nvPr>
+        </p:nvSpPr>
+        <p:spPr/>
+        <p:txBody>
+          <a:bodyPr/>
+          <a:lstStyle/>
+          <a:p>
+            <a:endParaRPr lang="en-US"/>
+          </a:p>
+        </p:txBody>
+      </p:sp>
+    </p:spTree>
+    <p:extLst>
+      <p:ext uri="{BB962C8B-B14F-4D97-AF65-F5344CB8AC3E}">
+        <p14:creationId xmlns:p14="http://schemas.microsoft.com/office/powerpoint/2010/main" val="56081007"/>
+      </p:ext>
+    </p:extLst>
+  </p:cSld>
+  <p:clrMapOvr>
+    <a:masterClrMapping/>
+  </p:clrMapOvr>
+  <p:transition spd="slow">
+    <p:push/>
+  </p:transition>
+</p:sld>
+</file>
+
+<file path=ppt/slides/slide94.xml><?xml version="1.0" encoding="utf-8"?>
+<p:sld xmlns:a="http://schemas.openxmlformats.org/drawingml/2006/main" xmlns:r="http://schemas.openxmlformats.org/officeDocument/2006/relationships" xmlns:p="http://schemas.openxmlformats.org/presentationml/2006/main">
+  <p:cSld>
+    <p:spTree>
+      <p:nvGrpSpPr>
+        <p:cNvPr id="1" name=""/>
+        <p:cNvGrpSpPr/>
+        <p:nvPr/>
+      </p:nvGrpSpPr>
+      <p:grpSpPr>
+        <a:xfrm>
+          <a:off x="0" y="0"/>
+          <a:ext cx="0" cy="0"/>
+          <a:chOff x="0" y="0"/>
+          <a:chExt cx="0" cy="0"/>
+        </a:xfrm>
+      </p:grpSpPr>
+      <p:sp>
+        <p:nvSpPr>
+          <p:cNvPr id="7" name="Titel 6"/>
+          <p:cNvSpPr>
+            <a:spLocks noGrp="1"/>
+          </p:cNvSpPr>
+          <p:nvPr>
+            <p:ph type="title"/>
+          </p:nvPr>
+        </p:nvSpPr>
+        <p:spPr/>
+        <p:txBody>
+          <a:bodyPr/>
+          <a:lstStyle/>
+          <a:p>
+            <a:r>
+              <a:rPr lang="en-US" dirty="0" smtClean="0"/>
+              <a:t>Burn</a:t>
+            </a:r>
+            <a:endParaRPr lang="en-US" dirty="0"/>
+          </a:p>
+        </p:txBody>
+      </p:sp>
+      <p:sp>
+        <p:nvSpPr>
+          <p:cNvPr id="8" name="Textplatzhalter 7"/>
+          <p:cNvSpPr>
+            <a:spLocks noGrp="1"/>
+          </p:cNvSpPr>
+          <p:nvPr>
+            <p:ph type="body" sz="quarter" idx="25"/>
+          </p:nvPr>
+        </p:nvSpPr>
+        <p:spPr/>
+        <p:txBody>
+          <a:bodyPr/>
+          <a:lstStyle/>
+          <a:p>
+            <a:r>
+              <a:rPr lang="en-US" dirty="0" err="1" smtClean="0"/>
+              <a:t>Bootstrapper</a:t>
+            </a:r>
+            <a:r>
+              <a:rPr lang="en-US" dirty="0" smtClean="0"/>
+              <a:t>, MSI Chaining</a:t>
+            </a:r>
+            <a:endParaRPr lang="en-US" dirty="0"/>
+          </a:p>
+        </p:txBody>
+      </p:sp>
+    </p:spTree>
+    <p:extLst>
+      <p:ext uri="{BB962C8B-B14F-4D97-AF65-F5344CB8AC3E}">
+        <p14:creationId xmlns:p14="http://schemas.microsoft.com/office/powerpoint/2010/main" val="456854299"/>
+      </p:ext>
+    </p:extLst>
+  </p:cSld>
+  <p:clrMapOvr>
+    <a:masterClrMapping/>
+  </p:clrMapOvr>
+  <mc:AlternateContent xmlns:mc="http://schemas.openxmlformats.org/markup-compatibility/2006">
+    <mc:Choice xmlns:p14="http://schemas.microsoft.com/office/powerpoint/2010/main" Requires="p14">
+      <p:transition spd="med" p14:dur="700">
+        <p:fade/>
+      </p:transition>
+    </mc:Choice>
+    <mc:Fallback>
+      <p:transition spd="med">
+        <p:fade/>
+      </p:transition>
+    </mc:Fallback>
+  </mc:AlternateContent>
+</p:sld>
+</file>
+
+<file path=ppt/slides/slide95.xml><?xml version="1.0" encoding="utf-8"?>
+<p:sld xmlns:a="http://schemas.openxmlformats.org/drawingml/2006/main" xmlns:r="http://schemas.openxmlformats.org/officeDocument/2006/relationships" xmlns:p="http://schemas.openxmlformats.org/presentationml/2006/main">
+  <p:cSld>
+    <p:spTree>
+      <p:nvGrpSpPr>
+        <p:cNvPr id="1" name=""/>
+        <p:cNvGrpSpPr/>
+        <p:nvPr/>
+      </p:nvGrpSpPr>
+      <p:grpSpPr>
+        <a:xfrm>
+          <a:off x="0" y="0"/>
+          <a:ext cx="0" cy="0"/>
+          <a:chOff x="0" y="0"/>
+          <a:chExt cx="0" cy="0"/>
+        </a:xfrm>
+      </p:grpSpPr>
+      <p:sp>
+        <p:nvSpPr>
+          <p:cNvPr id="4" name="Titel 3"/>
+          <p:cNvSpPr>
+            <a:spLocks noGrp="1"/>
+          </p:cNvSpPr>
+          <p:nvPr>
+            <p:ph type="title"/>
+          </p:nvPr>
+        </p:nvSpPr>
+        <p:spPr/>
+        <p:txBody>
+          <a:bodyPr/>
+          <a:lstStyle/>
+          <a:p>
+            <a:r>
+              <a:rPr lang="en-US" dirty="0" smtClean="0"/>
+              <a:t>Goals</a:t>
+            </a:r>
+            <a:endParaRPr lang="en-US" dirty="0"/>
+          </a:p>
+        </p:txBody>
+      </p:sp>
+      <p:sp>
+        <p:nvSpPr>
+          <p:cNvPr id="5" name="Inhaltsplatzhalter 4"/>
+          <p:cNvSpPr>
+            <a:spLocks noGrp="1"/>
+          </p:cNvSpPr>
+          <p:nvPr>
+            <p:ph sz="quarter" idx="12"/>
+          </p:nvPr>
+        </p:nvSpPr>
+        <p:spPr/>
+        <p:txBody>
+          <a:bodyPr/>
+          <a:lstStyle/>
+          <a:p>
+            <a:r>
+              <a:rPr lang="en-US" sz="2000" dirty="0" smtClean="0"/>
+              <a:t>Install prerequisites instead of launch condition</a:t>
+            </a:r>
+          </a:p>
+          <a:p>
+            <a:pPr lvl="1"/>
+            <a:r>
+              <a:rPr lang="en-US" sz="1400" dirty="0" smtClean="0"/>
+              <a:t>E.g. .NET Framework, SQL Server, JRE</a:t>
+            </a:r>
+          </a:p>
+          <a:p>
+            <a:r>
+              <a:rPr lang="en-US" sz="2000" dirty="0" smtClean="0"/>
+              <a:t>Install multiple MSI that are part of a software suite</a:t>
+            </a:r>
+          </a:p>
+          <a:p>
+            <a:r>
+              <a:rPr lang="en-US" sz="2000" dirty="0" smtClean="0"/>
+              <a:t>Patch Slipstreaming</a:t>
+            </a:r>
+          </a:p>
+          <a:p>
+            <a:r>
+              <a:rPr lang="en-US" sz="2000" dirty="0" smtClean="0"/>
+              <a:t>Single installer experience</a:t>
+            </a:r>
+          </a:p>
+          <a:p>
+            <a:pPr lvl="1"/>
+            <a:r>
+              <a:rPr lang="en-US" sz="1400" dirty="0" smtClean="0"/>
+              <a:t>One entry in ARP (configurable)</a:t>
+            </a:r>
+          </a:p>
+          <a:p>
+            <a:pPr lvl="1"/>
+            <a:r>
+              <a:rPr lang="en-US" sz="1400" dirty="0" smtClean="0"/>
+              <a:t>Single transaction (configurable)</a:t>
+            </a:r>
+          </a:p>
+          <a:p>
+            <a:pPr lvl="1"/>
+            <a:r>
+              <a:rPr lang="en-US" sz="1400" dirty="0" smtClean="0"/>
+              <a:t>Single progress bar</a:t>
+            </a:r>
+          </a:p>
+          <a:p>
+            <a:r>
+              <a:rPr lang="en-US" sz="2000" dirty="0" smtClean="0"/>
+              <a:t>Fancy installer UI</a:t>
+            </a:r>
+          </a:p>
+          <a:p>
+            <a:pPr lvl="1"/>
+            <a:r>
+              <a:rPr lang="en-US" sz="1400" dirty="0" smtClean="0"/>
+              <a:t>Based on </a:t>
+            </a:r>
+            <a:r>
+              <a:rPr lang="en-US" sz="1400" i="1" dirty="0" smtClean="0"/>
+              <a:t>Windows Presentation Foundation (XAML)</a:t>
+            </a:r>
+            <a:endParaRPr lang="en-US" sz="1400" i="1" dirty="0"/>
+          </a:p>
+        </p:txBody>
+      </p:sp>
+      <p:sp>
+        <p:nvSpPr>
+          <p:cNvPr id="6" name="Textplatzhalter 5"/>
+          <p:cNvSpPr>
+            <a:spLocks noGrp="1"/>
+          </p:cNvSpPr>
+          <p:nvPr>
+            <p:ph type="body" sz="quarter" idx="23"/>
+          </p:nvPr>
+        </p:nvSpPr>
+        <p:spPr/>
+        <p:txBody>
+          <a:bodyPr/>
+          <a:lstStyle/>
+          <a:p>
+            <a:endParaRPr lang="en-US"/>
+          </a:p>
+        </p:txBody>
+      </p:sp>
+      <p:pic>
+        <p:nvPicPr>
+          <p:cNvPr id="7" name="Grafik 6"/>
+          <p:cNvPicPr>
+            <a:picLocks noChangeAspect="1"/>
+          </p:cNvPicPr>
+          <p:nvPr/>
+        </p:nvPicPr>
+        <p:blipFill>
+          <a:blip r:embed="rId2"/>
+          <a:stretch>
+            <a:fillRect/>
+          </a:stretch>
+        </p:blipFill>
+        <p:spPr>
+          <a:xfrm>
+            <a:off x="4860032" y="2427734"/>
+            <a:ext cx="4000816" cy="1944216"/>
+          </a:xfrm>
+          <a:prstGeom prst="rect">
+            <a:avLst/>
+          </a:prstGeom>
+        </p:spPr>
+      </p:pic>
+    </p:spTree>
+    <p:extLst>
+      <p:ext uri="{BB962C8B-B14F-4D97-AF65-F5344CB8AC3E}">
+        <p14:creationId xmlns:p14="http://schemas.microsoft.com/office/powerpoint/2010/main" val="3381320351"/>
+      </p:ext>
+    </p:extLst>
+  </p:cSld>
+  <p:clrMapOvr>
+    <a:masterClrMapping/>
+  </p:clrMapOvr>
+  <p:transition spd="slow">
+    <p:push/>
+  </p:transition>
+</p:sld>
+</file>
+
+<file path=ppt/slides/slide96.xml><?xml version="1.0" encoding="utf-8"?>
+<p:sld xmlns:a="http://schemas.openxmlformats.org/drawingml/2006/main" xmlns:r="http://schemas.openxmlformats.org/officeDocument/2006/relationships" xmlns:p="http://schemas.openxmlformats.org/presentationml/2006/main">
+  <p:cSld>
+    <p:spTree>
+      <p:nvGrpSpPr>
+        <p:cNvPr id="1" name=""/>
+        <p:cNvGrpSpPr/>
+        <p:nvPr/>
+      </p:nvGrpSpPr>
+      <p:grpSpPr>
+        <a:xfrm>
+          <a:off x="0" y="0"/>
+          <a:ext cx="0" cy="0"/>
+          <a:chOff x="0" y="0"/>
+          <a:chExt cx="0" cy="0"/>
+        </a:xfrm>
+      </p:grpSpPr>
+      <p:sp>
+        <p:nvSpPr>
           <p:cNvPr id="9" name="Text Placeholder 8"/>
           <p:cNvSpPr>
             <a:spLocks noGrp="1"/>
@@ -40247,7 +42616,7 @@
 </p:sld>
 </file>
 
-<file path=ppt/slides/slide92.xml><?xml version="1.0" encoding="utf-8"?>
+<file path=ppt/slides/slide97.xml><?xml version="1.0" encoding="utf-8"?>
 <p:sld xmlns:a="http://schemas.openxmlformats.org/drawingml/2006/main" xmlns:r="http://schemas.openxmlformats.org/officeDocument/2006/relationships" xmlns:p="http://schemas.openxmlformats.org/presentationml/2006/main" show="0">
   <p:cSld>
     <p:spTree>
@@ -40287,7 +42656,7 @@
 </p:sld>
 </file>
 
-<file path=ppt/slides/slide93.xml><?xml version="1.0" encoding="utf-8"?>
+<file path=ppt/slides/slide98.xml><?xml version="1.0" encoding="utf-8"?>
 <p:sld xmlns:a="http://schemas.openxmlformats.org/drawingml/2006/main" xmlns:r="http://schemas.openxmlformats.org/officeDocument/2006/relationships" xmlns:p="http://schemas.openxmlformats.org/presentationml/2006/main" show="0">
   <p:cSld>
     <p:spTree>

--- a/WiXSamples/Slides/WiX - Installer Framework.pptx
+++ b/WiXSamples/Slides/WiX - Installer Framework.pptx
@@ -5,10 +5,10 @@
     <p:sldMasterId id="2147483648" r:id="rId4"/>
   </p:sldMasterIdLst>
   <p:notesMasterIdLst>
-    <p:notesMasterId r:id="rId103"/>
+    <p:notesMasterId r:id="rId105"/>
   </p:notesMasterIdLst>
   <p:handoutMasterIdLst>
-    <p:handoutMasterId r:id="rId104"/>
+    <p:handoutMasterId r:id="rId106"/>
   </p:handoutMasterIdLst>
   <p:sldIdLst>
     <p:sldId id="377" r:id="rId5"/>
@@ -106,9 +106,11 @@
     <p:sldId id="491" r:id="rId97"/>
     <p:sldId id="492" r:id="rId98"/>
     <p:sldId id="493" r:id="rId99"/>
-    <p:sldId id="362" r:id="rId100"/>
-    <p:sldId id="390" r:id="rId101"/>
-    <p:sldId id="391" r:id="rId102"/>
+    <p:sldId id="494" r:id="rId100"/>
+    <p:sldId id="495" r:id="rId101"/>
+    <p:sldId id="362" r:id="rId102"/>
+    <p:sldId id="390" r:id="rId103"/>
+    <p:sldId id="391" r:id="rId104"/>
   </p:sldIdLst>
   <p:sldSz cx="9144000" cy="5143500" type="screen16x9"/>
   <p:notesSz cx="6858000" cy="9144000"/>
@@ -347,6 +349,8 @@
           <p14:sldIdLst>
             <p14:sldId id="492"/>
             <p14:sldId id="493"/>
+            <p14:sldId id="494"/>
+            <p14:sldId id="495"/>
           </p14:sldIdLst>
         </p14:section>
         <p14:section name="Closing" id="{C26182EC-0F61-41FA-8BA3-14A8660E934C}">
@@ -12521,6 +12525,46 @@
       </p:transition>
     </mc:Fallback>
   </mc:AlternateContent>
+  <p:timing>
+    <p:tnLst>
+      <p:par>
+        <p:cTn id="1" dur="indefinite" restart="never" nodeType="tmRoot"/>
+      </p:par>
+    </p:tnLst>
+  </p:timing>
+</p:sld>
+</file>
+
+<file path=ppt/slides/slide100.xml><?xml version="1.0" encoding="utf-8"?>
+<p:sld xmlns:a="http://schemas.openxmlformats.org/drawingml/2006/main" xmlns:r="http://schemas.openxmlformats.org/officeDocument/2006/relationships" xmlns:p="http://schemas.openxmlformats.org/presentationml/2006/main" show="0">
+  <p:cSld>
+    <p:spTree>
+      <p:nvGrpSpPr>
+        <p:cNvPr id="1" name=""/>
+        <p:cNvGrpSpPr/>
+        <p:nvPr/>
+      </p:nvGrpSpPr>
+      <p:grpSpPr>
+        <a:xfrm>
+          <a:off x="0" y="0"/>
+          <a:ext cx="0" cy="0"/>
+          <a:chOff x="0" y="0"/>
+          <a:chExt cx="0" cy="0"/>
+        </a:xfrm>
+      </p:grpSpPr>
+    </p:spTree>
+    <p:extLst>
+      <p:ext uri="{BB962C8B-B14F-4D97-AF65-F5344CB8AC3E}">
+        <p14:creationId xmlns:p14="http://schemas.microsoft.com/office/powerpoint/2010/main" val="2097996962"/>
+      </p:ext>
+    </p:extLst>
+  </p:cSld>
+  <p:clrMapOvr>
+    <a:masterClrMapping/>
+  </p:clrMapOvr>
+  <p:transition spd="slow">
+    <p:push/>
+  </p:transition>
   <p:timing>
     <p:tnLst>
       <p:par>
@@ -42267,7 +42311,32 @@
             <a:pPr lvl="1"/>
             <a:r>
               <a:rPr lang="en-US" sz="1400" dirty="0" smtClean="0"/>
-              <a:t>Based on </a:t>
+              <a:t>Standard </a:t>
+            </a:r>
+            <a:r>
+              <a:rPr lang="en-US" sz="1400" dirty="0" err="1" smtClean="0"/>
+              <a:t>bootstrapper</a:t>
+            </a:r>
+            <a:r>
+              <a:rPr lang="en-US" sz="1400" dirty="0" smtClean="0"/>
+              <a:t> UI (</a:t>
+            </a:r>
+            <a:r>
+              <a:rPr lang="en-US" sz="1400" dirty="0" smtClean="0">
+                <a:hlinkClick r:id="rId2"/>
+              </a:rPr>
+              <a:t>doc</a:t>
+            </a:r>
+            <a:r>
+              <a:rPr lang="en-US" sz="1400" dirty="0" smtClean="0"/>
+              <a:t>) or</a:t>
+            </a:r>
+          </a:p>
+          <a:p>
+            <a:pPr lvl="1"/>
+            <a:r>
+              <a:rPr lang="en-US" sz="1400" dirty="0" smtClean="0"/>
+              <a:t>Custom UI based on </a:t>
             </a:r>
             <a:r>
               <a:rPr lang="en-US" sz="1400" i="1" dirty="0" smtClean="0"/>
@@ -42305,7 +42374,7 @@
           <p:nvPr/>
         </p:nvPicPr>
         <p:blipFill>
-          <a:blip r:embed="rId2"/>
+          <a:blip r:embed="rId3"/>
           <a:stretch>
             <a:fillRect/>
           </a:stretch>
@@ -42355,6 +42424,888 @@
       </p:grpSpPr>
       <p:sp>
         <p:nvSpPr>
+          <p:cNvPr id="5" name="Titel 4"/>
+          <p:cNvSpPr>
+            <a:spLocks noGrp="1"/>
+          </p:cNvSpPr>
+          <p:nvPr>
+            <p:ph type="title"/>
+          </p:nvPr>
+        </p:nvSpPr>
+        <p:spPr/>
+        <p:txBody>
+          <a:bodyPr/>
+          <a:lstStyle/>
+          <a:p>
+            <a:r>
+              <a:rPr lang="en-US" dirty="0" err="1" smtClean="0"/>
+              <a:t>Boostrapper</a:t>
+            </a:r>
+            <a:endParaRPr lang="en-US" dirty="0"/>
+          </a:p>
+        </p:txBody>
+      </p:sp>
+      <p:sp>
+        <p:nvSpPr>
+          <p:cNvPr id="6" name="Inhaltsplatzhalter 5"/>
+          <p:cNvSpPr>
+            <a:spLocks noGrp="1"/>
+          </p:cNvSpPr>
+          <p:nvPr>
+            <p:ph sz="quarter" idx="22"/>
+          </p:nvPr>
+        </p:nvSpPr>
+        <p:spPr/>
+        <p:txBody>
+          <a:bodyPr/>
+          <a:lstStyle/>
+          <a:p>
+            <a:r>
+              <a:rPr lang="en-US" sz="1000" dirty="0"/>
+              <a:t>&lt;?xml version="1.0" encoding="UTF-8"?&gt;</a:t>
+            </a:r>
+          </a:p>
+          <a:p>
+            <a:r>
+              <a:rPr lang="en-US" sz="1000" dirty="0"/>
+              <a:t>&lt;</a:t>
+            </a:r>
+            <a:r>
+              <a:rPr lang="en-US" sz="1000" dirty="0" err="1"/>
+              <a:t>Wix</a:t>
+            </a:r>
+            <a:r>
+              <a:rPr lang="en-US" sz="1000" dirty="0"/>
+              <a:t> </a:t>
+            </a:r>
+            <a:r>
+              <a:rPr lang="en-US" sz="1000" dirty="0" err="1"/>
+              <a:t>xmlns</a:t>
+            </a:r>
+            <a:r>
+              <a:rPr lang="en-US" sz="1000" dirty="0"/>
+              <a:t>="http://schemas.microsoft.com/</a:t>
+            </a:r>
+            <a:r>
+              <a:rPr lang="en-US" sz="1000" dirty="0" err="1"/>
+              <a:t>wix</a:t>
+            </a:r>
+            <a:r>
+              <a:rPr lang="en-US" sz="1000" dirty="0"/>
+              <a:t>/2006/</a:t>
+            </a:r>
+            <a:r>
+              <a:rPr lang="en-US" sz="1000" dirty="0" err="1"/>
+              <a:t>wi</a:t>
+            </a:r>
+            <a:r>
+              <a:rPr lang="en-US" sz="1000" dirty="0"/>
+              <a:t>"</a:t>
+            </a:r>
+          </a:p>
+          <a:p>
+            <a:r>
+              <a:rPr lang="en-US" sz="1000" dirty="0"/>
+              <a:t>	 </a:t>
+            </a:r>
+            <a:r>
+              <a:rPr lang="en-US" sz="1000" dirty="0" err="1"/>
+              <a:t>xmlns:bal</a:t>
+            </a:r>
+            <a:r>
+              <a:rPr lang="en-US" sz="1000" dirty="0"/>
+              <a:t>="http://schemas.microsoft.com/</a:t>
+            </a:r>
+            <a:r>
+              <a:rPr lang="en-US" sz="1000" dirty="0" err="1"/>
+              <a:t>wix</a:t>
+            </a:r>
+            <a:r>
+              <a:rPr lang="en-US" sz="1000" dirty="0"/>
+              <a:t>/</a:t>
+            </a:r>
+            <a:r>
+              <a:rPr lang="en-US" sz="1000" dirty="0" err="1"/>
+              <a:t>BalExtension</a:t>
+            </a:r>
+            <a:r>
+              <a:rPr lang="en-US" sz="1000" dirty="0"/>
+              <a:t>"&gt;</a:t>
+            </a:r>
+          </a:p>
+          <a:p>
+            <a:r>
+              <a:rPr lang="en-US" sz="1000" dirty="0"/>
+              <a:t>	&lt;</a:t>
+            </a:r>
+            <a:r>
+              <a:rPr lang="en-US" sz="1000" dirty="0">
+                <a:solidFill>
+                  <a:srgbClr val="00B050"/>
+                </a:solidFill>
+              </a:rPr>
+              <a:t>Bundle </a:t>
+            </a:r>
+            <a:r>
+              <a:rPr lang="en-US" sz="1000" dirty="0"/>
+              <a:t>Name="Composite App (with </a:t>
+            </a:r>
+            <a:r>
+              <a:rPr lang="en-US" sz="1000" dirty="0" err="1"/>
+              <a:t>Bootstrapper</a:t>
+            </a:r>
+            <a:r>
+              <a:rPr lang="en-US" sz="1000" dirty="0"/>
+              <a:t>)"</a:t>
+            </a:r>
+          </a:p>
+          <a:p>
+            <a:r>
+              <a:rPr lang="en-US" sz="1000" dirty="0"/>
+              <a:t>			Version="1.0.0.0"</a:t>
+            </a:r>
+          </a:p>
+          <a:p>
+            <a:r>
+              <a:rPr lang="en-US" sz="1000" dirty="0"/>
+              <a:t>			Manufacturer="software architects"</a:t>
+            </a:r>
+          </a:p>
+          <a:p>
+            <a:r>
+              <a:rPr lang="en-US" sz="1000" dirty="0"/>
+              <a:t>			</a:t>
+            </a:r>
+            <a:r>
+              <a:rPr lang="en-US" sz="1000" dirty="0" err="1"/>
+              <a:t>UpgradeCode</a:t>
+            </a:r>
+            <a:r>
+              <a:rPr lang="en-US" sz="1000" dirty="0"/>
+              <a:t>="1df9e3b2-d6a5-4e06-b289-078c5a0720ac"&gt;</a:t>
+            </a:r>
+          </a:p>
+          <a:p>
+            <a:endParaRPr lang="en-US" sz="1000" dirty="0"/>
+          </a:p>
+          <a:p>
+            <a:r>
+              <a:rPr lang="en-US" sz="1000" dirty="0"/>
+              <a:t>		&lt;!-- Bundle can only be installed on Windows &gt;= </a:t>
+            </a:r>
+            <a:r>
+              <a:rPr lang="en-US" sz="1000" dirty="0" smtClean="0"/>
+              <a:t>7 </a:t>
+            </a:r>
+            <a:r>
+              <a:rPr lang="en-US" sz="1000" dirty="0"/>
+              <a:t>--&gt;</a:t>
+            </a:r>
+          </a:p>
+          <a:p>
+            <a:r>
+              <a:rPr lang="en-US" sz="1000" dirty="0"/>
+              <a:t>		&lt;</a:t>
+            </a:r>
+            <a:r>
+              <a:rPr lang="en-US" sz="1000" dirty="0" err="1"/>
+              <a:t>bal:</a:t>
+            </a:r>
+            <a:r>
+              <a:rPr lang="en-US" sz="1000" dirty="0" err="1">
+                <a:solidFill>
+                  <a:srgbClr val="00B050"/>
+                </a:solidFill>
+              </a:rPr>
+              <a:t>Condition</a:t>
+            </a:r>
+            <a:r>
+              <a:rPr lang="en-US" sz="1000" dirty="0"/>
+              <a:t> Message="Requires Windows &gt;= 7"&gt;</a:t>
+            </a:r>
+          </a:p>
+          <a:p>
+            <a:r>
+              <a:rPr lang="en-US" sz="1000" dirty="0"/>
+              <a:t>			&lt;![CDATA[</a:t>
+            </a:r>
+            <a:r>
+              <a:rPr lang="en-US" sz="1000" dirty="0" err="1"/>
+              <a:t>VersionNT</a:t>
+            </a:r>
+            <a:r>
+              <a:rPr lang="en-US" sz="1000" dirty="0"/>
+              <a:t> &gt;= v6.1]]&gt;       </a:t>
+            </a:r>
+          </a:p>
+          <a:p>
+            <a:r>
+              <a:rPr lang="en-US" sz="1000" dirty="0"/>
+              <a:t>		&lt;/</a:t>
+            </a:r>
+            <a:r>
+              <a:rPr lang="en-US" sz="1000" dirty="0" err="1"/>
+              <a:t>bal:Condition</a:t>
+            </a:r>
+            <a:r>
+              <a:rPr lang="en-US" sz="1000" dirty="0"/>
+              <a:t>&gt;</a:t>
+            </a:r>
+          </a:p>
+          <a:p>
+            <a:endParaRPr lang="en-US" sz="1000" dirty="0"/>
+          </a:p>
+          <a:p>
+            <a:r>
+              <a:rPr lang="en-US" sz="1000" dirty="0"/>
+              <a:t>		&lt;</a:t>
+            </a:r>
+            <a:r>
+              <a:rPr lang="en-US" sz="1000" dirty="0" err="1"/>
+              <a:t>BootstrapperApplicationRef</a:t>
+            </a:r>
+            <a:r>
+              <a:rPr lang="en-US" sz="1000" dirty="0"/>
+              <a:t> </a:t>
+            </a:r>
+            <a:endParaRPr lang="en-US" sz="1000" dirty="0" smtClean="0"/>
+          </a:p>
+          <a:p>
+            <a:r>
+              <a:rPr lang="en-US" sz="1000" dirty="0" smtClean="0"/>
+              <a:t>			Id</a:t>
+            </a:r>
+            <a:r>
+              <a:rPr lang="en-US" sz="1000" dirty="0"/>
+              <a:t>="</a:t>
+            </a:r>
+            <a:r>
+              <a:rPr lang="en-US" sz="1000" dirty="0" err="1"/>
+              <a:t>WixStandardBootstrapperApplication.RtfLicense</a:t>
+            </a:r>
+            <a:r>
+              <a:rPr lang="en-US" sz="1000" dirty="0"/>
+              <a:t>"&gt;</a:t>
+            </a:r>
+          </a:p>
+          <a:p>
+            <a:r>
+              <a:rPr lang="en-US" sz="1000" dirty="0"/>
+              <a:t>			&lt;</a:t>
+            </a:r>
+            <a:r>
+              <a:rPr lang="en-US" sz="1000" dirty="0" err="1"/>
+              <a:t>bal:WixStandardBootstrapperApplication</a:t>
+            </a:r>
+            <a:r>
+              <a:rPr lang="en-US" sz="1000" dirty="0"/>
+              <a:t> </a:t>
+            </a:r>
+            <a:endParaRPr lang="en-US" sz="1000" dirty="0" smtClean="0"/>
+          </a:p>
+          <a:p>
+            <a:r>
+              <a:rPr lang="en-US" sz="1000" dirty="0"/>
+              <a:t>	</a:t>
+            </a:r>
+            <a:r>
+              <a:rPr lang="en-US" sz="1000" dirty="0" smtClean="0"/>
+              <a:t>			</a:t>
+            </a:r>
+            <a:r>
+              <a:rPr lang="en-US" sz="1000" dirty="0" err="1" smtClean="0"/>
+              <a:t>LicenseFile</a:t>
+            </a:r>
+            <a:r>
+              <a:rPr lang="en-US" sz="1000" dirty="0"/>
+              <a:t>="License.rtf"/&gt;</a:t>
+            </a:r>
+          </a:p>
+          <a:p>
+            <a:r>
+              <a:rPr lang="en-US" sz="1000" dirty="0"/>
+              <a:t>		&lt;/</a:t>
+            </a:r>
+            <a:r>
+              <a:rPr lang="en-US" sz="1000" dirty="0" err="1"/>
+              <a:t>BootstrapperApplicationRef</a:t>
+            </a:r>
+            <a:r>
+              <a:rPr lang="en-US" sz="1000" dirty="0"/>
+              <a:t>&gt;</a:t>
+            </a:r>
+          </a:p>
+          <a:p>
+            <a:endParaRPr lang="en-US" sz="1000" dirty="0"/>
+          </a:p>
+          <a:p>
+            <a:r>
+              <a:rPr lang="en-US" sz="1000" dirty="0"/>
+              <a:t>		&lt;</a:t>
+            </a:r>
+            <a:r>
+              <a:rPr lang="en-US" sz="1000" dirty="0">
+                <a:solidFill>
+                  <a:srgbClr val="00B050"/>
+                </a:solidFill>
+              </a:rPr>
+              <a:t>Chain</a:t>
+            </a:r>
+            <a:r>
+              <a:rPr lang="en-US" sz="1000" dirty="0"/>
+              <a:t>&gt;</a:t>
+            </a:r>
+          </a:p>
+          <a:p>
+            <a:r>
+              <a:rPr lang="en-US" sz="1000" dirty="0"/>
+              <a:t>			&lt;</a:t>
+            </a:r>
+            <a:r>
+              <a:rPr lang="en-US" sz="1000" dirty="0" err="1">
+                <a:solidFill>
+                  <a:srgbClr val="00B050"/>
+                </a:solidFill>
+              </a:rPr>
+              <a:t>MsiPackage</a:t>
+            </a:r>
+            <a:r>
+              <a:rPr lang="en-US" sz="1000" dirty="0">
+                <a:solidFill>
+                  <a:srgbClr val="00B050"/>
+                </a:solidFill>
+              </a:rPr>
+              <a:t> </a:t>
+            </a:r>
+            <a:r>
+              <a:rPr lang="en-US" sz="1000" dirty="0"/>
+              <a:t>Id="Shell" </a:t>
+            </a:r>
+            <a:r>
+              <a:rPr lang="en-US" sz="1000" dirty="0" err="1"/>
+              <a:t>SourceFile</a:t>
+            </a:r>
+            <a:r>
+              <a:rPr lang="en-US" sz="1000" dirty="0"/>
+              <a:t>="$(</a:t>
+            </a:r>
+            <a:r>
+              <a:rPr lang="en-US" sz="1000" dirty="0" err="1"/>
+              <a:t>var.Shell.TargetDir</a:t>
+            </a:r>
+            <a:r>
+              <a:rPr lang="en-US" sz="1000" dirty="0"/>
+              <a:t>)Shell.msi"&gt;</a:t>
+            </a:r>
+          </a:p>
+          <a:p>
+            <a:r>
+              <a:rPr lang="en-US" sz="1000" dirty="0"/>
+              <a:t>				&lt;!-- Pass a property </a:t>
+            </a:r>
+            <a:r>
+              <a:rPr lang="en-US" sz="1000" dirty="0" smtClean="0"/>
+              <a:t>to </a:t>
+            </a:r>
+            <a:r>
+              <a:rPr lang="en-US" sz="1000" dirty="0"/>
+              <a:t>Shell installer to install SDK, too --&gt;</a:t>
+            </a:r>
+          </a:p>
+          <a:p>
+            <a:r>
+              <a:rPr lang="en-US" sz="1000" dirty="0"/>
+              <a:t>				&lt;</a:t>
+            </a:r>
+            <a:r>
+              <a:rPr lang="en-US" sz="1000" dirty="0" err="1">
+                <a:solidFill>
+                  <a:srgbClr val="00B050"/>
+                </a:solidFill>
+              </a:rPr>
+              <a:t>MsiProperty</a:t>
+            </a:r>
+            <a:r>
+              <a:rPr lang="en-US" sz="1000" dirty="0">
+                <a:solidFill>
+                  <a:srgbClr val="00B050"/>
+                </a:solidFill>
+              </a:rPr>
+              <a:t> </a:t>
+            </a:r>
+            <a:r>
+              <a:rPr lang="en-US" sz="1000" dirty="0"/>
+              <a:t>Name="INSTALLSDK" Value="1" /&gt;</a:t>
+            </a:r>
+          </a:p>
+          <a:p>
+            <a:r>
+              <a:rPr lang="en-US" sz="1000" dirty="0"/>
+              <a:t>			&lt;/</a:t>
+            </a:r>
+            <a:r>
+              <a:rPr lang="en-US" sz="1000" dirty="0" err="1"/>
+              <a:t>MsiPackage</a:t>
+            </a:r>
+            <a:r>
+              <a:rPr lang="en-US" sz="1000" dirty="0"/>
+              <a:t>&gt;</a:t>
+            </a:r>
+          </a:p>
+          <a:p>
+            <a:r>
+              <a:rPr lang="en-US" sz="1000" dirty="0"/>
+              <a:t>			&lt;</a:t>
+            </a:r>
+            <a:r>
+              <a:rPr lang="en-US" sz="1000" dirty="0" err="1">
+                <a:solidFill>
+                  <a:srgbClr val="00B050"/>
+                </a:solidFill>
+              </a:rPr>
+              <a:t>RollbackBoundary</a:t>
+            </a:r>
+            <a:r>
+              <a:rPr lang="en-US" sz="1000" dirty="0">
+                <a:solidFill>
+                  <a:srgbClr val="00B050"/>
+                </a:solidFill>
+              </a:rPr>
+              <a:t> </a:t>
+            </a:r>
+            <a:r>
+              <a:rPr lang="en-US" sz="1000" dirty="0"/>
+              <a:t>/&gt;</a:t>
+            </a:r>
+          </a:p>
+          <a:p>
+            <a:r>
+              <a:rPr lang="en-US" sz="1000" dirty="0"/>
+              <a:t>			&lt;</a:t>
+            </a:r>
+            <a:r>
+              <a:rPr lang="en-US" sz="1000" dirty="0" err="1"/>
+              <a:t>MsiPackage</a:t>
+            </a:r>
+            <a:r>
+              <a:rPr lang="en-US" sz="1000" dirty="0"/>
+              <a:t> Id="Extension" </a:t>
+            </a:r>
+          </a:p>
+          <a:p>
+            <a:r>
+              <a:rPr lang="en-US" sz="1000" dirty="0"/>
+              <a:t>						</a:t>
+            </a:r>
+            <a:r>
+              <a:rPr lang="en-US" sz="1000" dirty="0">
+                <a:solidFill>
+                  <a:srgbClr val="00B050"/>
+                </a:solidFill>
+              </a:rPr>
+              <a:t>After</a:t>
+            </a:r>
+            <a:r>
+              <a:rPr lang="en-US" sz="1000" dirty="0"/>
+              <a:t>="Shell"</a:t>
+            </a:r>
+          </a:p>
+          <a:p>
+            <a:r>
+              <a:rPr lang="en-US" sz="1000" dirty="0"/>
+              <a:t>						</a:t>
+            </a:r>
+            <a:r>
+              <a:rPr lang="en-US" sz="1000" dirty="0" err="1"/>
+              <a:t>SourceFile</a:t>
+            </a:r>
+            <a:r>
+              <a:rPr lang="en-US" sz="1000" dirty="0"/>
+              <a:t>="$(</a:t>
+            </a:r>
+            <a:r>
+              <a:rPr lang="en-US" sz="1000" dirty="0" err="1"/>
+              <a:t>var.Extension.TargetDir</a:t>
+            </a:r>
+            <a:r>
+              <a:rPr lang="en-US" sz="1000" dirty="0"/>
+              <a:t>)Extension.msi" /&gt;</a:t>
+            </a:r>
+          </a:p>
+          <a:p>
+            <a:r>
+              <a:rPr lang="en-US" sz="1000" dirty="0"/>
+              <a:t>		&lt;/Chain&gt;</a:t>
+            </a:r>
+          </a:p>
+          <a:p>
+            <a:r>
+              <a:rPr lang="en-US" sz="1000" dirty="0"/>
+              <a:t>	&lt;/Bundle&gt;</a:t>
+            </a:r>
+          </a:p>
+          <a:p>
+            <a:r>
+              <a:rPr lang="en-US" sz="1000" dirty="0"/>
+              <a:t>&lt;/</a:t>
+            </a:r>
+            <a:r>
+              <a:rPr lang="en-US" sz="1000" dirty="0" err="1"/>
+              <a:t>Wix</a:t>
+            </a:r>
+            <a:r>
+              <a:rPr lang="en-US" sz="1000" dirty="0"/>
+              <a:t>&gt;</a:t>
+            </a:r>
+          </a:p>
+        </p:txBody>
+      </p:sp>
+      <p:sp>
+        <p:nvSpPr>
+          <p:cNvPr id="7" name="Textplatzhalter 6"/>
+          <p:cNvSpPr>
+            <a:spLocks noGrp="1"/>
+          </p:cNvSpPr>
+          <p:nvPr>
+            <p:ph type="body" sz="quarter" idx="23"/>
+          </p:nvPr>
+        </p:nvSpPr>
+        <p:spPr/>
+        <p:txBody>
+          <a:bodyPr/>
+          <a:lstStyle/>
+          <a:p>
+            <a:r>
+              <a:rPr lang="en-US" dirty="0" smtClean="0"/>
+              <a:t>Example</a:t>
+            </a:r>
+            <a:endParaRPr lang="en-US" dirty="0"/>
+          </a:p>
+        </p:txBody>
+      </p:sp>
+      <p:sp>
+        <p:nvSpPr>
+          <p:cNvPr id="8" name="Textplatzhalter 7"/>
+          <p:cNvSpPr>
+            <a:spLocks noGrp="1"/>
+          </p:cNvSpPr>
+          <p:nvPr>
+            <p:ph type="body" sz="quarter" idx="24"/>
+          </p:nvPr>
+        </p:nvSpPr>
+        <p:spPr/>
+        <p:txBody>
+          <a:bodyPr/>
+          <a:lstStyle/>
+          <a:p>
+            <a:r>
+              <a:rPr lang="en-US" dirty="0" smtClean="0"/>
+              <a:t>For details see </a:t>
+            </a:r>
+            <a:r>
+              <a:rPr lang="en-US" dirty="0" smtClean="0">
+                <a:hlinkClick r:id="rId2"/>
+              </a:rPr>
+              <a:t>WiX docs</a:t>
+            </a:r>
+            <a:endParaRPr lang="en-US" dirty="0" smtClean="0"/>
+          </a:p>
+          <a:p>
+            <a:r>
+              <a:rPr lang="en-US" i="1" dirty="0" err="1" smtClean="0"/>
+              <a:t>VersionNT</a:t>
+            </a:r>
+            <a:endParaRPr lang="en-US" i="1" dirty="0" smtClean="0"/>
+          </a:p>
+          <a:p>
+            <a:pPr lvl="1"/>
+            <a:r>
+              <a:rPr lang="en-US" dirty="0" smtClean="0"/>
+              <a:t>Burn built-in variables (</a:t>
+            </a:r>
+            <a:r>
+              <a:rPr lang="en-US" dirty="0" smtClean="0">
+                <a:hlinkClick r:id="rId3"/>
+              </a:rPr>
+              <a:t>doc</a:t>
+            </a:r>
+            <a:r>
+              <a:rPr lang="en-US" dirty="0" smtClean="0"/>
+              <a:t>)</a:t>
+            </a:r>
+            <a:endParaRPr lang="en-US" dirty="0"/>
+          </a:p>
+        </p:txBody>
+      </p:sp>
+      <p:sp>
+        <p:nvSpPr>
+          <p:cNvPr id="9" name="Textplatzhalter 8"/>
+          <p:cNvSpPr>
+            <a:spLocks noGrp="1"/>
+          </p:cNvSpPr>
+          <p:nvPr>
+            <p:ph type="body" sz="quarter" idx="25"/>
+          </p:nvPr>
+        </p:nvSpPr>
+        <p:spPr/>
+        <p:txBody>
+          <a:bodyPr/>
+          <a:lstStyle/>
+          <a:p>
+            <a:endParaRPr lang="en-US"/>
+          </a:p>
+        </p:txBody>
+      </p:sp>
+    </p:spTree>
+    <p:extLst>
+      <p:ext uri="{BB962C8B-B14F-4D97-AF65-F5344CB8AC3E}">
+        <p14:creationId xmlns:p14="http://schemas.microsoft.com/office/powerpoint/2010/main" val="3450445763"/>
+      </p:ext>
+    </p:extLst>
+  </p:cSld>
+  <p:clrMapOvr>
+    <a:masterClrMapping/>
+  </p:clrMapOvr>
+  <p:transition spd="slow">
+    <p:push/>
+  </p:transition>
+</p:sld>
+</file>
+
+<file path=ppt/slides/slide97.xml><?xml version="1.0" encoding="utf-8"?>
+<p:sld xmlns:a="http://schemas.openxmlformats.org/drawingml/2006/main" xmlns:r="http://schemas.openxmlformats.org/officeDocument/2006/relationships" xmlns:p="http://schemas.openxmlformats.org/presentationml/2006/main">
+  <p:cSld>
+    <p:spTree>
+      <p:nvGrpSpPr>
+        <p:cNvPr id="1" name=""/>
+        <p:cNvGrpSpPr/>
+        <p:nvPr/>
+      </p:nvGrpSpPr>
+      <p:grpSpPr>
+        <a:xfrm>
+          <a:off x="0" y="0"/>
+          <a:ext cx="0" cy="0"/>
+          <a:chOff x="0" y="0"/>
+          <a:chExt cx="0" cy="0"/>
+        </a:xfrm>
+      </p:grpSpPr>
+      <p:sp>
+        <p:nvSpPr>
+          <p:cNvPr id="7" name="Titel 6"/>
+          <p:cNvSpPr>
+            <a:spLocks noGrp="1"/>
+          </p:cNvSpPr>
+          <p:nvPr>
+            <p:ph type="title"/>
+          </p:nvPr>
+        </p:nvSpPr>
+        <p:spPr/>
+        <p:txBody>
+          <a:bodyPr/>
+          <a:lstStyle/>
+          <a:p>
+            <a:r>
+              <a:rPr lang="en-US" dirty="0" err="1" smtClean="0"/>
+              <a:t>Boostrapper</a:t>
+            </a:r>
+            <a:r>
+              <a:rPr lang="en-US" dirty="0" smtClean="0"/>
+              <a:t> Tips</a:t>
+            </a:r>
+            <a:endParaRPr lang="en-US" dirty="0"/>
+          </a:p>
+        </p:txBody>
+      </p:sp>
+      <p:sp>
+        <p:nvSpPr>
+          <p:cNvPr id="8" name="Inhaltsplatzhalter 7"/>
+          <p:cNvSpPr>
+            <a:spLocks noGrp="1"/>
+          </p:cNvSpPr>
+          <p:nvPr>
+            <p:ph sz="quarter" idx="12"/>
+          </p:nvPr>
+        </p:nvSpPr>
+        <p:spPr/>
+        <p:txBody>
+          <a:bodyPr/>
+          <a:lstStyle/>
+          <a:p>
+            <a:r>
+              <a:rPr lang="en-US" dirty="0" smtClean="0"/>
+              <a:t>Localizable just like MSIs (</a:t>
+            </a:r>
+            <a:r>
+              <a:rPr lang="en-US" dirty="0" smtClean="0">
+                <a:hlinkClick r:id="rId2"/>
+              </a:rPr>
+              <a:t>doc</a:t>
+            </a:r>
+            <a:r>
+              <a:rPr lang="en-US" dirty="0" smtClean="0"/>
+              <a:t>)</a:t>
+            </a:r>
+          </a:p>
+          <a:p>
+            <a:r>
+              <a:rPr lang="en-US" dirty="0" smtClean="0"/>
+              <a:t>Upgrades</a:t>
+            </a:r>
+          </a:p>
+          <a:p>
+            <a:pPr lvl="1"/>
+            <a:r>
+              <a:rPr lang="en-US" dirty="0" smtClean="0"/>
+              <a:t>Higher version in the same </a:t>
+            </a:r>
+            <a:r>
+              <a:rPr lang="en-US" i="1" dirty="0" err="1" smtClean="0"/>
+              <a:t>UpgradeCode</a:t>
+            </a:r>
+            <a:r>
+              <a:rPr lang="en-US" dirty="0" smtClean="0"/>
+              <a:t> </a:t>
+            </a:r>
+            <a:r>
+              <a:rPr lang="en-US" dirty="0" smtClean="0">
+                <a:sym typeface="Wingdings" panose="05000000000000000000" pitchFamily="2" charset="2"/>
+              </a:rPr>
+              <a:t> newer MSIs are upgraded</a:t>
+            </a:r>
+          </a:p>
+          <a:p>
+            <a:r>
+              <a:rPr lang="en-US" dirty="0" smtClean="0"/>
+              <a:t>Install EXE with </a:t>
+            </a:r>
+            <a:r>
+              <a:rPr lang="en-US" i="1" dirty="0" err="1" smtClean="0"/>
+              <a:t>ExePackage</a:t>
+            </a:r>
+            <a:r>
+              <a:rPr lang="en-US" dirty="0" smtClean="0"/>
+              <a:t> element (</a:t>
+            </a:r>
+            <a:r>
+              <a:rPr lang="en-US" dirty="0" smtClean="0">
+                <a:hlinkClick r:id="rId3"/>
+              </a:rPr>
+              <a:t>doc</a:t>
+            </a:r>
+            <a:r>
+              <a:rPr lang="en-US" dirty="0" smtClean="0"/>
+              <a:t>)</a:t>
+            </a:r>
+          </a:p>
+          <a:p>
+            <a:pPr lvl="1"/>
+            <a:r>
+              <a:rPr lang="en-US" dirty="0" smtClean="0"/>
+              <a:t>E.g. </a:t>
+            </a:r>
+            <a:r>
+              <a:rPr lang="en-US" i="1" dirty="0" smtClean="0"/>
+              <a:t>Java Runtime Environment</a:t>
+            </a:r>
+          </a:p>
+          <a:p>
+            <a:pPr lvl="1"/>
+            <a:r>
+              <a:rPr lang="en-US" dirty="0" smtClean="0"/>
+              <a:t>Use </a:t>
+            </a:r>
+            <a:r>
+              <a:rPr lang="en-US" i="1" dirty="0" err="1" smtClean="0"/>
+              <a:t>DetectCondition</a:t>
+            </a:r>
+            <a:r>
+              <a:rPr lang="en-US" i="1" dirty="0" smtClean="0"/>
+              <a:t> </a:t>
+            </a:r>
+            <a:r>
+              <a:rPr lang="en-US" dirty="0" smtClean="0"/>
+              <a:t>together with e.g. </a:t>
+            </a:r>
+            <a:r>
+              <a:rPr lang="en-US" i="1" dirty="0" err="1" smtClean="0"/>
+              <a:t>RegistrySearch</a:t>
+            </a:r>
+            <a:r>
+              <a:rPr lang="en-US" i="1" dirty="0" smtClean="0"/>
+              <a:t> </a:t>
+            </a:r>
+            <a:r>
+              <a:rPr lang="en-US" dirty="0" smtClean="0"/>
+              <a:t>(</a:t>
+            </a:r>
+            <a:r>
+              <a:rPr lang="en-US" dirty="0" smtClean="0">
+                <a:hlinkClick r:id="rId4"/>
+              </a:rPr>
+              <a:t>doc</a:t>
+            </a:r>
+            <a:r>
+              <a:rPr lang="en-US" dirty="0" smtClean="0"/>
+              <a:t>)</a:t>
+            </a:r>
+            <a:endParaRPr lang="en-US" dirty="0"/>
+          </a:p>
+        </p:txBody>
+      </p:sp>
+      <p:sp>
+        <p:nvSpPr>
+          <p:cNvPr id="9" name="Textplatzhalter 8"/>
+          <p:cNvSpPr>
+            <a:spLocks noGrp="1"/>
+          </p:cNvSpPr>
+          <p:nvPr>
+            <p:ph type="body" sz="quarter" idx="23"/>
+          </p:nvPr>
+        </p:nvSpPr>
+        <p:spPr/>
+        <p:txBody>
+          <a:bodyPr/>
+          <a:lstStyle/>
+          <a:p>
+            <a:endParaRPr lang="en-US"/>
+          </a:p>
+        </p:txBody>
+      </p:sp>
+    </p:spTree>
+    <p:extLst>
+      <p:ext uri="{BB962C8B-B14F-4D97-AF65-F5344CB8AC3E}">
+        <p14:creationId xmlns:p14="http://schemas.microsoft.com/office/powerpoint/2010/main" val="2969050468"/>
+      </p:ext>
+    </p:extLst>
+  </p:cSld>
+  <p:clrMapOvr>
+    <a:masterClrMapping/>
+  </p:clrMapOvr>
+  <p:transition spd="slow">
+    <p:push/>
+  </p:transition>
+</p:sld>
+</file>
+
+<file path=ppt/slides/slide98.xml><?xml version="1.0" encoding="utf-8"?>
+<p:sld xmlns:a="http://schemas.openxmlformats.org/drawingml/2006/main" xmlns:r="http://schemas.openxmlformats.org/officeDocument/2006/relationships" xmlns:p="http://schemas.openxmlformats.org/presentationml/2006/main">
+  <p:cSld>
+    <p:spTree>
+      <p:nvGrpSpPr>
+        <p:cNvPr id="1" name=""/>
+        <p:cNvGrpSpPr/>
+        <p:nvPr/>
+      </p:nvGrpSpPr>
+      <p:grpSpPr>
+        <a:xfrm>
+          <a:off x="0" y="0"/>
+          <a:ext cx="0" cy="0"/>
+          <a:chOff x="0" y="0"/>
+          <a:chExt cx="0" cy="0"/>
+        </a:xfrm>
+      </p:grpSpPr>
+      <p:sp>
+        <p:nvSpPr>
           <p:cNvPr id="9" name="Text Placeholder 8"/>
           <p:cNvSpPr>
             <a:spLocks noGrp="1"/>
@@ -42616,7 +43567,7 @@
 </p:sld>
 </file>
 
-<file path=ppt/slides/slide97.xml><?xml version="1.0" encoding="utf-8"?>
+<file path=ppt/slides/slide99.xml><?xml version="1.0" encoding="utf-8"?>
 <p:sld xmlns:a="http://schemas.openxmlformats.org/drawingml/2006/main" xmlns:r="http://schemas.openxmlformats.org/officeDocument/2006/relationships" xmlns:p="http://schemas.openxmlformats.org/presentationml/2006/main" show="0">
   <p:cSld>
     <p:spTree>
@@ -42637,46 +43588,6 @@
     <p:extLst>
       <p:ext uri="{BB962C8B-B14F-4D97-AF65-F5344CB8AC3E}">
         <p14:creationId xmlns:p14="http://schemas.microsoft.com/office/powerpoint/2010/main" val="90492229"/>
-      </p:ext>
-    </p:extLst>
-  </p:cSld>
-  <p:clrMapOvr>
-    <a:masterClrMapping/>
-  </p:clrMapOvr>
-  <p:transition spd="slow">
-    <p:push/>
-  </p:transition>
-  <p:timing>
-    <p:tnLst>
-      <p:par>
-        <p:cTn id="1" dur="indefinite" restart="never" nodeType="tmRoot"/>
-      </p:par>
-    </p:tnLst>
-  </p:timing>
-</p:sld>
-</file>
-
-<file path=ppt/slides/slide98.xml><?xml version="1.0" encoding="utf-8"?>
-<p:sld xmlns:a="http://schemas.openxmlformats.org/drawingml/2006/main" xmlns:r="http://schemas.openxmlformats.org/officeDocument/2006/relationships" xmlns:p="http://schemas.openxmlformats.org/presentationml/2006/main" show="0">
-  <p:cSld>
-    <p:spTree>
-      <p:nvGrpSpPr>
-        <p:cNvPr id="1" name=""/>
-        <p:cNvGrpSpPr/>
-        <p:nvPr/>
-      </p:nvGrpSpPr>
-      <p:grpSpPr>
-        <a:xfrm>
-          <a:off x="0" y="0"/>
-          <a:ext cx="0" cy="0"/>
-          <a:chOff x="0" y="0"/>
-          <a:chExt cx="0" cy="0"/>
-        </a:xfrm>
-      </p:grpSpPr>
-    </p:spTree>
-    <p:extLst>
-      <p:ext uri="{BB962C8B-B14F-4D97-AF65-F5344CB8AC3E}">
-        <p14:creationId xmlns:p14="http://schemas.microsoft.com/office/powerpoint/2010/main" val="2097996962"/>
       </p:ext>
     </p:extLst>
   </p:cSld>

--- a/WiXSamples/Slides/WiX - Installer Framework.pptx
+++ b/WiXSamples/Slides/WiX - Installer Framework.pptx
@@ -488,7 +488,7 @@
           <a:p>
             <a:fld id="{D3FDC4BA-F62C-46A2-87C1-2103180CFF88}" type="datetimeFigureOut">
               <a:rPr lang="de-AT" smtClean="0"/>
-              <a:t>08.10.2014</a:t>
+              <a:t>09.10.2014</a:t>
             </a:fld>
             <a:endParaRPr lang="de-AT"/>
           </a:p>
@@ -654,7 +654,7 @@
             <a:fld id="{3612A09C-9A01-4873-9E29-1DA9CA5B5B01}" type="datetimeFigureOut">
               <a:rPr lang="de-DE" smtClean="0"/>
               <a:pPr/>
-              <a:t>08.10.2014</a:t>
+              <a:t>09.10.2014</a:t>
             </a:fld>
             <a:endParaRPr lang="de-AT"/>
           </a:p>
@@ -25296,8 +25296,12 @@
           </a:p>
           <a:p>
             <a:r>
+              <a:rPr lang="de-AT" sz="1600" dirty="0" smtClean="0"/>
+              <a:t>Support </a:t>
+            </a:r>
+            <a:r>
               <a:rPr lang="de-AT" sz="1600" dirty="0"/>
-              <a:t>- Support für 64 Bit (Eigenheiten bzw. Unterschiede einer x64/x86 Installation).</a:t>
+              <a:t>für 64 Bit (Eigenheiten bzw. Unterschiede einer x64/x86 Installation).</a:t>
             </a:r>
           </a:p>
           <a:p>
@@ -26611,7 +26615,6 @@
               <a:rPr lang="de-AT" dirty="0" smtClean="0"/>
               <a:t>190"</a:t>
             </a:r>
-            <a:endParaRPr lang="de-AT" dirty="0" smtClean="0"/>
           </a:p>
           <a:p>
             <a:r>
@@ -39426,11 +39429,7 @@
             <a:pPr lvl="1"/>
             <a:r>
               <a:rPr lang="en-US" dirty="0" smtClean="0"/>
-              <a:t>Small </a:t>
-            </a:r>
-            <a:r>
-              <a:rPr lang="en-US" dirty="0" smtClean="0"/>
-              <a:t>updates</a:t>
+              <a:t>Small updates</a:t>
             </a:r>
           </a:p>
           <a:p>
@@ -42180,13 +42179,13 @@
   <p:clrMapOvr>
     <a:masterClrMapping/>
   </p:clrMapOvr>
-  <mc:AlternateContent xmlns:mc="http://schemas.openxmlformats.org/markup-compatibility/2006">
-    <mc:Choice xmlns:p14="http://schemas.microsoft.com/office/powerpoint/2010/main" Requires="p14">
+  <mc:AlternateContent xmlns:mc="http://schemas.openxmlformats.org/markup-compatibility/2006" xmlns:p14="http://schemas.microsoft.com/office/powerpoint/2010/main">
+    <mc:Choice Requires="p14">
       <p:transition spd="med" p14:dur="700">
         <p:fade/>
       </p:transition>
     </mc:Choice>
-    <mc:Fallback>
+    <mc:Fallback xmlns="">
       <p:transition spd="med">
         <p:fade/>
       </p:transition>

--- a/WiXSamples/Slides/WiX - Installer Framework.pptx
+++ b/WiXSamples/Slides/WiX - Installer Framework.pptx
@@ -492,7 +492,7 @@
           <a:p>
             <a:fld id="{D3FDC4BA-F62C-46A2-87C1-2103180CFF88}" type="datetimeFigureOut">
               <a:rPr lang="de-AT" smtClean="0"/>
-              <a:t>01.12.2014</a:t>
+              <a:t>03.08.2015</a:t>
             </a:fld>
             <a:endParaRPr lang="de-AT"/>
           </a:p>
@@ -658,7 +658,7 @@
             <a:fld id="{3612A09C-9A01-4873-9E29-1DA9CA5B5B01}" type="datetimeFigureOut">
               <a:rPr lang="de-DE" smtClean="0"/>
               <a:pPr/>
-              <a:t>01.12.2014</a:t>
+              <a:t>03.08.2015</a:t>
             </a:fld>
             <a:endParaRPr lang="de-AT"/>
           </a:p>
@@ -25284,11 +25284,7 @@
             </a:r>
             <a:r>
               <a:rPr lang="en-US" dirty="0" smtClean="0"/>
-              <a:t>, etc</a:t>
-            </a:r>
-            <a:r>
-              <a:rPr lang="en-US" dirty="0" smtClean="0"/>
-              <a:t>.)</a:t>
+              <a:t>, etc.)</a:t>
             </a:r>
           </a:p>
           <a:p>
@@ -25322,7 +25318,6 @@
               <a:rPr lang="en-US" dirty="0" smtClean="0"/>
               <a:t>)</a:t>
             </a:r>
-            <a:endParaRPr lang="en-US" dirty="0" smtClean="0"/>
           </a:p>
           <a:p>
             <a:pPr lvl="1"/>
@@ -25862,6 +25857,13 @@
   <p:transition spd="slow">
     <p:push/>
   </p:transition>
+  <p:timing>
+    <p:tnLst>
+      <p:par>
+        <p:cTn id="1" dur="indefinite" restart="never" nodeType="tmRoot"/>
+      </p:par>
+    </p:tnLst>
+  </p:timing>
 </p:sld>
 </file>
 
@@ -30097,6 +30099,13 @@
   <p:transition spd="slow">
     <p:push/>
   </p:transition>
+  <p:timing>
+    <p:tnLst>
+      <p:par>
+        <p:cTn id="1" dur="indefinite" restart="never" nodeType="tmRoot"/>
+      </p:par>
+    </p:tnLst>
+  </p:timing>
 </p:sld>
 </file>
 
@@ -33019,15 +33028,29 @@
           <a:p>
             <a:r>
               <a:rPr lang="en-US" dirty="0" smtClean="0"/>
-              <a:t>Current stable version: 3.8</a:t>
-            </a:r>
+              <a:t>Current stable version: </a:t>
+            </a:r>
+            <a:r>
+              <a:rPr lang="en-US" dirty="0" smtClean="0"/>
+              <a:t>3.9 R2</a:t>
+            </a:r>
+            <a:endParaRPr lang="en-US" dirty="0" smtClean="0"/>
           </a:p>
           <a:p>
             <a:pPr lvl="1"/>
             <a:r>
               <a:rPr lang="en-US" dirty="0" smtClean="0"/>
-              <a:t>Visual Studio 2013 support has been added in the latest version</a:t>
-            </a:r>
+              <a:t>Visual Studio 2013 support has been added </a:t>
+            </a:r>
+            <a:r>
+              <a:rPr lang="en-US" smtClean="0"/>
+              <a:t>in </a:t>
+            </a:r>
+            <a:r>
+              <a:rPr lang="en-US" smtClean="0"/>
+              <a:t>3.8</a:t>
+            </a:r>
+            <a:endParaRPr lang="en-US" dirty="0" smtClean="0"/>
           </a:p>
           <a:p>
             <a:pPr lvl="1"/>
@@ -41413,6 +41436,13 @@
   <p:transition spd="slow">
     <p:push/>
   </p:transition>
+  <p:timing>
+    <p:tnLst>
+      <p:par>
+        <p:cTn id="1" dur="indefinite" restart="never" nodeType="tmRoot"/>
+      </p:par>
+    </p:tnLst>
+  </p:timing>
 </p:sld>
 </file>
 
@@ -43025,6 +43055,13 @@
   <p:transition spd="slow">
     <p:push/>
   </p:transition>
+  <p:timing>
+    <p:tnLst>
+      <p:par>
+        <p:cTn id="1" dur="indefinite" restart="never" nodeType="tmRoot"/>
+      </p:par>
+    </p:tnLst>
+  </p:timing>
 </p:sld>
 </file>
 
@@ -43461,6 +43498,13 @@
   <p:transition spd="slow">
     <p:push/>
   </p:transition>
+  <p:timing>
+    <p:tnLst>
+      <p:par>
+        <p:cTn id="1" dur="indefinite" restart="never" nodeType="tmRoot"/>
+      </p:par>
+    </p:tnLst>
+  </p:timing>
 </p:sld>
 </file>
 
@@ -43553,6 +43597,13 @@
       </p:transition>
     </mc:Fallback>
   </mc:AlternateContent>
+  <p:timing>
+    <p:tnLst>
+      <p:par>
+        <p:cTn id="1" dur="indefinite" restart="never" nodeType="tmRoot"/>
+      </p:par>
+    </p:tnLst>
+  </p:timing>
 </p:sld>
 </file>
 
@@ -43763,6 +43814,13 @@
   <p:transition spd="slow">
     <p:push/>
   </p:transition>
+  <p:timing>
+    <p:tnLst>
+      <p:par>
+        <p:cTn id="1" dur="indefinite" restart="never" nodeType="tmRoot"/>
+      </p:par>
+    </p:tnLst>
+  </p:timing>
 </p:sld>
 </file>
 
@@ -44430,6 +44488,13 @@
   <p:transition spd="slow">
     <p:push/>
   </p:transition>
+  <p:timing>
+    <p:tnLst>
+      <p:par>
+        <p:cTn id="1" dur="indefinite" restart="never" nodeType="tmRoot"/>
+      </p:par>
+    </p:tnLst>
+  </p:timing>
 </p:sld>
 </file>
 
@@ -44645,6 +44710,13 @@
   <p:transition spd="slow">
     <p:push/>
   </p:transition>
+  <p:timing>
+    <p:tnLst>
+      <p:par>
+        <p:cTn id="1" dur="indefinite" restart="never" nodeType="tmRoot"/>
+      </p:par>
+    </p:tnLst>
+  </p:timing>
 </p:sld>
 </file>
 
